--- a/docs/ETU DIT #3.pptx
+++ b/docs/ETU DIT #3.pptx
@@ -21,6 +21,8 @@
     <p:sldId id="267" r:id="rId16"/>
     <p:sldId id="268" r:id="rId17"/>
     <p:sldId id="269" r:id="rId18"/>
+    <p:sldId id="270" r:id="rId19"/>
+    <p:sldId id="271" r:id="rId20"/>
   </p:sldIdLst>
   <p:sldSz cx="11998325" cy="7559675"/>
   <p:notesSz cx="7559675" cy="10691812"/>
@@ -86,7 +88,9 @@
           </a:prstGeom>
         </p:spPr>
         <p:txBody>
-          <a:bodyPr lIns="0" rIns="0" tIns="0" bIns="0" anchor="ctr"/>
+          <a:bodyPr lIns="0" rIns="0" tIns="0" bIns="0" anchor="ctr">
+            <a:noAutofit/>
+          </a:bodyPr>
           <a:p>
             <a:pPr algn="ctr"/>
             <a:endParaRPr b="0" lang="ru-RU" sz="4400" spc="-1" strike="noStrike">
@@ -197,7 +201,9 @@
           </a:prstGeom>
         </p:spPr>
         <p:txBody>
-          <a:bodyPr lIns="0" rIns="0" tIns="0" bIns="0" anchor="ctr"/>
+          <a:bodyPr lIns="0" rIns="0" tIns="0" bIns="0" anchor="ctr">
+            <a:noAutofit/>
+          </a:bodyPr>
           <a:p>
             <a:pPr algn="ctr"/>
             <a:endParaRPr b="0" lang="ru-RU" sz="4400" spc="-1" strike="noStrike">
@@ -368,7 +374,9 @@
           </a:prstGeom>
         </p:spPr>
         <p:txBody>
-          <a:bodyPr lIns="0" rIns="0" tIns="0" bIns="0" anchor="ctr"/>
+          <a:bodyPr lIns="0" rIns="0" tIns="0" bIns="0" anchor="ctr">
+            <a:noAutofit/>
+          </a:bodyPr>
           <a:p>
             <a:pPr algn="ctr"/>
             <a:endParaRPr b="0" lang="ru-RU" sz="4400" spc="-1" strike="noStrike">
@@ -621,7 +629,9 @@
           </a:prstGeom>
         </p:spPr>
         <p:txBody>
-          <a:bodyPr lIns="0" rIns="0" tIns="0" bIns="0" anchor="ctr"/>
+          <a:bodyPr lIns="0" rIns="0" tIns="0" bIns="0" anchor="ctr">
+            <a:noAutofit/>
+          </a:bodyPr>
           <a:p>
             <a:pPr algn="ctr"/>
             <a:endParaRPr b="0" lang="ru-RU" sz="4400" spc="-1" strike="noStrike">
@@ -650,7 +660,9 @@
           </a:prstGeom>
         </p:spPr>
         <p:txBody>
-          <a:bodyPr lIns="0" rIns="0" tIns="0" bIns="0" anchor="ctr"/>
+          <a:bodyPr lIns="0" rIns="0" tIns="0" bIns="0" anchor="ctr">
+            <a:noAutofit/>
+          </a:bodyPr>
           <a:p>
             <a:pPr algn="ctr"/>
             <a:endParaRPr b="0" lang="ru-RU" sz="3200" spc="-1" strike="noStrike">
@@ -701,7 +713,9 @@
           </a:prstGeom>
         </p:spPr>
         <p:txBody>
-          <a:bodyPr lIns="0" rIns="0" tIns="0" bIns="0" anchor="ctr"/>
+          <a:bodyPr lIns="0" rIns="0" tIns="0" bIns="0" anchor="ctr">
+            <a:noAutofit/>
+          </a:bodyPr>
           <a:p>
             <a:pPr algn="ctr"/>
             <a:endParaRPr b="0" lang="ru-RU" sz="4400" spc="-1" strike="noStrike">
@@ -782,7 +796,9 @@
           </a:prstGeom>
         </p:spPr>
         <p:txBody>
-          <a:bodyPr lIns="0" rIns="0" tIns="0" bIns="0" anchor="ctr"/>
+          <a:bodyPr lIns="0" rIns="0" tIns="0" bIns="0" anchor="ctr">
+            <a:noAutofit/>
+          </a:bodyPr>
           <a:p>
             <a:pPr algn="ctr"/>
             <a:endParaRPr b="0" lang="ru-RU" sz="4400" spc="-1" strike="noStrike">
@@ -893,7 +909,9 @@
           </a:prstGeom>
         </p:spPr>
         <p:txBody>
-          <a:bodyPr lIns="0" rIns="0" tIns="0" bIns="0" anchor="ctr"/>
+          <a:bodyPr lIns="0" rIns="0" tIns="0" bIns="0" anchor="ctr">
+            <a:noAutofit/>
+          </a:bodyPr>
           <a:p>
             <a:pPr algn="ctr"/>
             <a:endParaRPr b="0" lang="ru-RU" sz="4400" spc="-1" strike="noStrike">
@@ -944,7 +962,9 @@
           </a:prstGeom>
         </p:spPr>
         <p:txBody>
-          <a:bodyPr lIns="0" rIns="0" tIns="0" bIns="0" anchor="ctr"/>
+          <a:bodyPr lIns="0" rIns="0" tIns="0" bIns="0" anchor="ctr">
+            <a:noAutofit/>
+          </a:bodyPr>
           <a:p>
             <a:pPr algn="ctr"/>
             <a:endParaRPr b="0" lang="ru-RU" sz="3200" spc="-1" strike="noStrike">
@@ -995,7 +1015,9 @@
           </a:prstGeom>
         </p:spPr>
         <p:txBody>
-          <a:bodyPr lIns="0" rIns="0" tIns="0" bIns="0" anchor="ctr"/>
+          <a:bodyPr lIns="0" rIns="0" tIns="0" bIns="0" anchor="ctr">
+            <a:noAutofit/>
+          </a:bodyPr>
           <a:p>
             <a:pPr algn="ctr"/>
             <a:endParaRPr b="0" lang="ru-RU" sz="4400" spc="-1" strike="noStrike">
@@ -1136,7 +1158,9 @@
           </a:prstGeom>
         </p:spPr>
         <p:txBody>
-          <a:bodyPr lIns="0" rIns="0" tIns="0" bIns="0" anchor="ctr"/>
+          <a:bodyPr lIns="0" rIns="0" tIns="0" bIns="0" anchor="ctr">
+            <a:noAutofit/>
+          </a:bodyPr>
           <a:p>
             <a:pPr algn="ctr"/>
             <a:endParaRPr b="0" lang="ru-RU" sz="4400" spc="-1" strike="noStrike">
@@ -1165,7 +1189,9 @@
           </a:prstGeom>
         </p:spPr>
         <p:txBody>
-          <a:bodyPr lIns="0" rIns="0" tIns="0" bIns="0" anchor="ctr"/>
+          <a:bodyPr lIns="0" rIns="0" tIns="0" bIns="0" anchor="ctr">
+            <a:noAutofit/>
+          </a:bodyPr>
           <a:p>
             <a:pPr algn="ctr"/>
             <a:endParaRPr b="0" lang="ru-RU" sz="3200" spc="-1" strike="noStrike">
@@ -1216,7 +1242,9 @@
           </a:prstGeom>
         </p:spPr>
         <p:txBody>
-          <a:bodyPr lIns="0" rIns="0" tIns="0" bIns="0" anchor="ctr"/>
+          <a:bodyPr lIns="0" rIns="0" tIns="0" bIns="0" anchor="ctr">
+            <a:noAutofit/>
+          </a:bodyPr>
           <a:p>
             <a:pPr algn="ctr"/>
             <a:endParaRPr b="0" lang="ru-RU" sz="4400" spc="-1" strike="noStrike">
@@ -1357,7 +1385,9 @@
           </a:prstGeom>
         </p:spPr>
         <p:txBody>
-          <a:bodyPr lIns="0" rIns="0" tIns="0" bIns="0" anchor="ctr"/>
+          <a:bodyPr lIns="0" rIns="0" tIns="0" bIns="0" anchor="ctr">
+            <a:noAutofit/>
+          </a:bodyPr>
           <a:p>
             <a:pPr algn="ctr"/>
             <a:endParaRPr b="0" lang="ru-RU" sz="4400" spc="-1" strike="noStrike">
@@ -1498,7 +1528,9 @@
           </a:prstGeom>
         </p:spPr>
         <p:txBody>
-          <a:bodyPr lIns="0" rIns="0" tIns="0" bIns="0" anchor="ctr"/>
+          <a:bodyPr lIns="0" rIns="0" tIns="0" bIns="0" anchor="ctr">
+            <a:noAutofit/>
+          </a:bodyPr>
           <a:p>
             <a:pPr algn="ctr"/>
             <a:endParaRPr b="0" lang="ru-RU" sz="4400" spc="-1" strike="noStrike">
@@ -1609,7 +1641,9 @@
           </a:prstGeom>
         </p:spPr>
         <p:txBody>
-          <a:bodyPr lIns="0" rIns="0" tIns="0" bIns="0" anchor="ctr"/>
+          <a:bodyPr lIns="0" rIns="0" tIns="0" bIns="0" anchor="ctr">
+            <a:noAutofit/>
+          </a:bodyPr>
           <a:p>
             <a:pPr algn="ctr"/>
             <a:endParaRPr b="0" lang="ru-RU" sz="4400" spc="-1" strike="noStrike">
@@ -1780,7 +1814,9 @@
           </a:prstGeom>
         </p:spPr>
         <p:txBody>
-          <a:bodyPr lIns="0" rIns="0" tIns="0" bIns="0" anchor="ctr"/>
+          <a:bodyPr lIns="0" rIns="0" tIns="0" bIns="0" anchor="ctr">
+            <a:noAutofit/>
+          </a:bodyPr>
           <a:p>
             <a:pPr algn="ctr"/>
             <a:endParaRPr b="0" lang="ru-RU" sz="4400" spc="-1" strike="noStrike">
@@ -2033,7 +2069,9 @@
           </a:prstGeom>
         </p:spPr>
         <p:txBody>
-          <a:bodyPr lIns="0" rIns="0" tIns="0" bIns="0" anchor="ctr"/>
+          <a:bodyPr lIns="0" rIns="0" tIns="0" bIns="0" anchor="ctr">
+            <a:noAutofit/>
+          </a:bodyPr>
           <a:p>
             <a:pPr algn="ctr"/>
             <a:endParaRPr b="0" lang="ru-RU" sz="4400" spc="-1" strike="noStrike">
@@ -2062,7 +2100,9 @@
           </a:prstGeom>
         </p:spPr>
         <p:txBody>
-          <a:bodyPr lIns="0" rIns="0" tIns="0" bIns="0" anchor="ctr"/>
+          <a:bodyPr lIns="0" rIns="0" tIns="0" bIns="0" anchor="ctr">
+            <a:noAutofit/>
+          </a:bodyPr>
           <a:p>
             <a:pPr algn="ctr"/>
             <a:endParaRPr b="0" lang="ru-RU" sz="3200" spc="-1" strike="noStrike">
@@ -2113,7 +2153,9 @@
           </a:prstGeom>
         </p:spPr>
         <p:txBody>
-          <a:bodyPr lIns="0" rIns="0" tIns="0" bIns="0" anchor="ctr"/>
+          <a:bodyPr lIns="0" rIns="0" tIns="0" bIns="0" anchor="ctr">
+            <a:noAutofit/>
+          </a:bodyPr>
           <a:p>
             <a:pPr algn="ctr"/>
             <a:endParaRPr b="0" lang="ru-RU" sz="4400" spc="-1" strike="noStrike">
@@ -2194,7 +2236,9 @@
           </a:prstGeom>
         </p:spPr>
         <p:txBody>
-          <a:bodyPr lIns="0" rIns="0" tIns="0" bIns="0" anchor="ctr"/>
+          <a:bodyPr lIns="0" rIns="0" tIns="0" bIns="0" anchor="ctr">
+            <a:noAutofit/>
+          </a:bodyPr>
           <a:p>
             <a:pPr algn="ctr"/>
             <a:endParaRPr b="0" lang="ru-RU" sz="4400" spc="-1" strike="noStrike">
@@ -2305,7 +2349,9 @@
           </a:prstGeom>
         </p:spPr>
         <p:txBody>
-          <a:bodyPr lIns="0" rIns="0" tIns="0" bIns="0" anchor="ctr"/>
+          <a:bodyPr lIns="0" rIns="0" tIns="0" bIns="0" anchor="ctr">
+            <a:noAutofit/>
+          </a:bodyPr>
           <a:p>
             <a:pPr algn="ctr"/>
             <a:endParaRPr b="0" lang="ru-RU" sz="4400" spc="-1" strike="noStrike">
@@ -2356,7 +2402,9 @@
           </a:prstGeom>
         </p:spPr>
         <p:txBody>
-          <a:bodyPr lIns="0" rIns="0" tIns="0" bIns="0" anchor="ctr"/>
+          <a:bodyPr lIns="0" rIns="0" tIns="0" bIns="0" anchor="ctr">
+            <a:noAutofit/>
+          </a:bodyPr>
           <a:p>
             <a:pPr algn="ctr"/>
             <a:endParaRPr b="0" lang="ru-RU" sz="4400" spc="-1" strike="noStrike">
@@ -2437,7 +2485,9 @@
           </a:prstGeom>
         </p:spPr>
         <p:txBody>
-          <a:bodyPr lIns="0" rIns="0" tIns="0" bIns="0" anchor="ctr"/>
+          <a:bodyPr lIns="0" rIns="0" tIns="0" bIns="0" anchor="ctr">
+            <a:noAutofit/>
+          </a:bodyPr>
           <a:p>
             <a:pPr algn="ctr"/>
             <a:endParaRPr b="0" lang="ru-RU" sz="3200" spc="-1" strike="noStrike">
@@ -2488,7 +2538,9 @@
           </a:prstGeom>
         </p:spPr>
         <p:txBody>
-          <a:bodyPr lIns="0" rIns="0" tIns="0" bIns="0" anchor="ctr"/>
+          <a:bodyPr lIns="0" rIns="0" tIns="0" bIns="0" anchor="ctr">
+            <a:noAutofit/>
+          </a:bodyPr>
           <a:p>
             <a:pPr algn="ctr"/>
             <a:endParaRPr b="0" lang="ru-RU" sz="4400" spc="-1" strike="noStrike">
@@ -2629,7 +2681,9 @@
           </a:prstGeom>
         </p:spPr>
         <p:txBody>
-          <a:bodyPr lIns="0" rIns="0" tIns="0" bIns="0" anchor="ctr"/>
+          <a:bodyPr lIns="0" rIns="0" tIns="0" bIns="0" anchor="ctr">
+            <a:noAutofit/>
+          </a:bodyPr>
           <a:p>
             <a:pPr algn="ctr"/>
             <a:endParaRPr b="0" lang="ru-RU" sz="4400" spc="-1" strike="noStrike">
@@ -2770,7 +2824,9 @@
           </a:prstGeom>
         </p:spPr>
         <p:txBody>
-          <a:bodyPr lIns="0" rIns="0" tIns="0" bIns="0" anchor="ctr"/>
+          <a:bodyPr lIns="0" rIns="0" tIns="0" bIns="0" anchor="ctr">
+            <a:noAutofit/>
+          </a:bodyPr>
           <a:p>
             <a:pPr algn="ctr"/>
             <a:endParaRPr b="0" lang="ru-RU" sz="4400" spc="-1" strike="noStrike">
@@ -2911,7 +2967,9 @@
           </a:prstGeom>
         </p:spPr>
         <p:txBody>
-          <a:bodyPr lIns="0" rIns="0" tIns="0" bIns="0" anchor="ctr"/>
+          <a:bodyPr lIns="0" rIns="0" tIns="0" bIns="0" anchor="ctr">
+            <a:noAutofit/>
+          </a:bodyPr>
           <a:p>
             <a:pPr algn="ctr"/>
             <a:endParaRPr b="0" lang="ru-RU" sz="4400" spc="-1" strike="noStrike">
@@ -3022,7 +3080,9 @@
           </a:prstGeom>
         </p:spPr>
         <p:txBody>
-          <a:bodyPr lIns="0" rIns="0" tIns="0" bIns="0" anchor="ctr"/>
+          <a:bodyPr lIns="0" rIns="0" tIns="0" bIns="0" anchor="ctr">
+            <a:noAutofit/>
+          </a:bodyPr>
           <a:p>
             <a:pPr algn="ctr"/>
             <a:endParaRPr b="0" lang="ru-RU" sz="4400" spc="-1" strike="noStrike">
@@ -3193,7 +3253,9 @@
           </a:prstGeom>
         </p:spPr>
         <p:txBody>
-          <a:bodyPr lIns="0" rIns="0" tIns="0" bIns="0" anchor="ctr"/>
+          <a:bodyPr lIns="0" rIns="0" tIns="0" bIns="0" anchor="ctr">
+            <a:noAutofit/>
+          </a:bodyPr>
           <a:p>
             <a:pPr algn="ctr"/>
             <a:endParaRPr b="0" lang="ru-RU" sz="4400" spc="-1" strike="noStrike">
@@ -3424,7 +3486,9 @@
           </a:prstGeom>
         </p:spPr>
         <p:txBody>
-          <a:bodyPr lIns="0" rIns="0" tIns="0" bIns="0" anchor="ctr"/>
+          <a:bodyPr lIns="0" rIns="0" tIns="0" bIns="0" anchor="ctr">
+            <a:noAutofit/>
+          </a:bodyPr>
           <a:p>
             <a:pPr algn="ctr"/>
             <a:endParaRPr b="0" lang="ru-RU" sz="4400" spc="-1" strike="noStrike">
@@ -3535,7 +3599,9 @@
           </a:prstGeom>
         </p:spPr>
         <p:txBody>
-          <a:bodyPr lIns="0" rIns="0" tIns="0" bIns="0" anchor="ctr"/>
+          <a:bodyPr lIns="0" rIns="0" tIns="0" bIns="0" anchor="ctr">
+            <a:noAutofit/>
+          </a:bodyPr>
           <a:p>
             <a:pPr algn="ctr"/>
             <a:endParaRPr b="0" lang="ru-RU" sz="4400" spc="-1" strike="noStrike">
@@ -3586,7 +3652,9 @@
           </a:prstGeom>
         </p:spPr>
         <p:txBody>
-          <a:bodyPr lIns="0" rIns="0" tIns="0" bIns="0" anchor="ctr"/>
+          <a:bodyPr lIns="0" rIns="0" tIns="0" bIns="0" anchor="ctr">
+            <a:noAutofit/>
+          </a:bodyPr>
           <a:p>
             <a:pPr algn="ctr"/>
             <a:endParaRPr b="0" lang="ru-RU" sz="3200" spc="-1" strike="noStrike">
@@ -3637,7 +3705,9 @@
           </a:prstGeom>
         </p:spPr>
         <p:txBody>
-          <a:bodyPr lIns="0" rIns="0" tIns="0" bIns="0" anchor="ctr"/>
+          <a:bodyPr lIns="0" rIns="0" tIns="0" bIns="0" anchor="ctr">
+            <a:noAutofit/>
+          </a:bodyPr>
           <a:p>
             <a:pPr algn="ctr"/>
             <a:endParaRPr b="0" lang="ru-RU" sz="4400" spc="-1" strike="noStrike">
@@ -3778,7 +3848,9 @@
           </a:prstGeom>
         </p:spPr>
         <p:txBody>
-          <a:bodyPr lIns="0" rIns="0" tIns="0" bIns="0" anchor="ctr"/>
+          <a:bodyPr lIns="0" rIns="0" tIns="0" bIns="0" anchor="ctr">
+            <a:noAutofit/>
+          </a:bodyPr>
           <a:p>
             <a:pPr algn="ctr"/>
             <a:endParaRPr b="0" lang="ru-RU" sz="4400" spc="-1" strike="noStrike">
@@ -3919,7 +3991,9 @@
           </a:prstGeom>
         </p:spPr>
         <p:txBody>
-          <a:bodyPr lIns="0" rIns="0" tIns="0" bIns="0" anchor="ctr"/>
+          <a:bodyPr lIns="0" rIns="0" tIns="0" bIns="0" anchor="ctr">
+            <a:noAutofit/>
+          </a:bodyPr>
           <a:p>
             <a:pPr algn="ctr"/>
             <a:endParaRPr b="0" lang="ru-RU" sz="4400" spc="-1" strike="noStrike">
@@ -4063,22 +4137,25 @@
         <p:spPr>
           <a:xfrm>
             <a:off x="599760" y="301320"/>
-            <a:ext cx="10797840" cy="1261440"/>
-          </a:xfrm>
-          <a:prstGeom prst="rect">
-            <a:avLst/>
-          </a:prstGeom>
-        </p:spPr>
-        <p:txBody>
-          <a:bodyPr lIns="0" rIns="0" tIns="0" bIns="0" anchor="ctr"/>
-          <a:p>
-            <a:r>
-              <a:rPr b="0" lang="ru-RU" sz="1800" spc="-1" strike="noStrike">
+            <a:ext cx="10798200" cy="1261800"/>
+          </a:xfrm>
+          <a:prstGeom prst="rect">
+            <a:avLst/>
+          </a:prstGeom>
+        </p:spPr>
+        <p:txBody>
+          <a:bodyPr lIns="0" rIns="0" tIns="0" bIns="0" anchor="ctr">
+            <a:noAutofit/>
+          </a:bodyPr>
+          <a:p>
+            <a:pPr algn="ctr"/>
+            <a:r>
+              <a:rPr b="0" lang="ru-RU" sz="4400" spc="-1" strike="noStrike">
                 <a:latin typeface="Arial"/>
               </a:rPr>
-              <a:t>Для правки текста заглавия щёлкните мышью</a:t>
-            </a:r>
-            <a:endParaRPr b="0" lang="ru-RU" sz="1800" spc="-1" strike="noStrike">
+              <a:t>Click to edit the title text format</a:t>
+            </a:r>
+            <a:endParaRPr b="0" lang="ru-RU" sz="4400" spc="-1" strike="noStrike">
               <a:latin typeface="Arial"/>
             </a:endParaRPr>
           </a:p>
@@ -4097,7 +4174,7 @@
         <p:spPr>
           <a:xfrm>
             <a:off x="599760" y="1768680"/>
-            <a:ext cx="10797840" cy="4383720"/>
+            <a:ext cx="10798200" cy="4384080"/>
           </a:xfrm>
           <a:prstGeom prst="rect">
             <a:avLst/>
@@ -4120,12 +4197,12 @@
               <a:buChar char=""/>
             </a:pPr>
             <a:r>
-              <a:rPr b="0" lang="ru-RU" sz="1800" spc="-1" strike="noStrike">
+              <a:rPr b="0" lang="ru-RU" sz="3200" spc="-1" strike="noStrike">
                 <a:latin typeface="Arial"/>
               </a:rPr>
-              <a:t>Для правки структуры щёлкните мышью</a:t>
-            </a:r>
-            <a:endParaRPr b="0" lang="ru-RU" sz="1800" spc="-1" strike="noStrike">
+              <a:t>Click to edit the outline text format</a:t>
+            </a:r>
+            <a:endParaRPr b="0" lang="ru-RU" sz="3200" spc="-1" strike="noStrike">
               <a:latin typeface="Arial"/>
             </a:endParaRPr>
           </a:p>
@@ -4142,12 +4219,12 @@
               <a:buChar char=""/>
             </a:pPr>
             <a:r>
-              <a:rPr b="0" lang="ru-RU" sz="1800" spc="-1" strike="noStrike">
+              <a:rPr b="0" lang="ru-RU" sz="2800" spc="-1" strike="noStrike">
                 <a:latin typeface="Arial"/>
               </a:rPr>
-              <a:t>Второй уровень структуры</a:t>
-            </a:r>
-            <a:endParaRPr b="0" lang="ru-RU" sz="1800" spc="-1" strike="noStrike">
+              <a:t>Second Outline Level</a:t>
+            </a:r>
+            <a:endParaRPr b="0" lang="ru-RU" sz="2800" spc="-1" strike="noStrike">
               <a:latin typeface="Arial"/>
             </a:endParaRPr>
           </a:p>
@@ -4164,12 +4241,12 @@
               <a:buChar char=""/>
             </a:pPr>
             <a:r>
-              <a:rPr b="0" lang="ru-RU" sz="1800" spc="-1" strike="noStrike">
+              <a:rPr b="0" lang="ru-RU" sz="2400" spc="-1" strike="noStrike">
                 <a:latin typeface="Arial"/>
               </a:rPr>
-              <a:t>Третий уровень структуры</a:t>
-            </a:r>
-            <a:endParaRPr b="0" lang="ru-RU" sz="1800" spc="-1" strike="noStrike">
+              <a:t>Third Outline Level</a:t>
+            </a:r>
+            <a:endParaRPr b="0" lang="ru-RU" sz="2400" spc="-1" strike="noStrike">
               <a:latin typeface="Arial"/>
             </a:endParaRPr>
           </a:p>
@@ -4186,12 +4263,12 @@
               <a:buChar char=""/>
             </a:pPr>
             <a:r>
-              <a:rPr b="0" lang="ru-RU" sz="1800" spc="-1" strike="noStrike">
+              <a:rPr b="0" lang="ru-RU" sz="2000" spc="-1" strike="noStrike">
                 <a:latin typeface="Arial"/>
               </a:rPr>
-              <a:t>Четвёртый уровень структуры</a:t>
-            </a:r>
-            <a:endParaRPr b="0" lang="ru-RU" sz="1800" spc="-1" strike="noStrike">
+              <a:t>Fourth Outline Level</a:t>
+            </a:r>
+            <a:endParaRPr b="0" lang="ru-RU" sz="2000" spc="-1" strike="noStrike">
               <a:latin typeface="Arial"/>
             </a:endParaRPr>
           </a:p>
@@ -4208,12 +4285,12 @@
               <a:buChar char=""/>
             </a:pPr>
             <a:r>
-              <a:rPr b="0" lang="ru-RU" sz="1800" spc="-1" strike="noStrike">
+              <a:rPr b="0" lang="ru-RU" sz="2000" spc="-1" strike="noStrike">
                 <a:latin typeface="Arial"/>
               </a:rPr>
-              <a:t>Пятый уровень структуры</a:t>
-            </a:r>
-            <a:endParaRPr b="0" lang="ru-RU" sz="1800" spc="-1" strike="noStrike">
+              <a:t>Fifth Outline Level</a:t>
+            </a:r>
+            <a:endParaRPr b="0" lang="ru-RU" sz="2000" spc="-1" strike="noStrike">
               <a:latin typeface="Arial"/>
             </a:endParaRPr>
           </a:p>
@@ -4230,12 +4307,12 @@
               <a:buChar char=""/>
             </a:pPr>
             <a:r>
-              <a:rPr b="0" lang="ru-RU" sz="1800" spc="-1" strike="noStrike">
+              <a:rPr b="0" lang="ru-RU" sz="2000" spc="-1" strike="noStrike">
                 <a:latin typeface="Arial"/>
               </a:rPr>
-              <a:t>Шестой уровень структуры</a:t>
-            </a:r>
-            <a:endParaRPr b="0" lang="ru-RU" sz="1800" spc="-1" strike="noStrike">
+              <a:t>Sixth Outline Level</a:t>
+            </a:r>
+            <a:endParaRPr b="0" lang="ru-RU" sz="2000" spc="-1" strike="noStrike">
               <a:latin typeface="Arial"/>
             </a:endParaRPr>
           </a:p>
@@ -4252,12 +4329,12 @@
               <a:buChar char=""/>
             </a:pPr>
             <a:r>
-              <a:rPr b="0" lang="ru-RU" sz="1800" spc="-1" strike="noStrike">
+              <a:rPr b="0" lang="ru-RU" sz="2000" spc="-1" strike="noStrike">
                 <a:latin typeface="Arial"/>
               </a:rPr>
-              <a:t>Седьмой уровень структуры</a:t>
-            </a:r>
-            <a:endParaRPr b="0" lang="ru-RU" sz="1800" spc="-1" strike="noStrike">
+              <a:t>Seventh Outline Level</a:t>
+            </a:r>
+            <a:endParaRPr b="0" lang="ru-RU" sz="2000" spc="-1" strike="noStrike">
               <a:latin typeface="Arial"/>
             </a:endParaRPr>
           </a:p>
@@ -4330,14 +4407,16 @@
           </a:prstGeom>
         </p:spPr>
         <p:txBody>
-          <a:bodyPr lIns="0" rIns="0" tIns="0" bIns="0" anchor="ctr"/>
+          <a:bodyPr lIns="0" rIns="0" tIns="0" bIns="0" anchor="ctr">
+            <a:noAutofit/>
+          </a:bodyPr>
           <a:p>
             <a:pPr algn="ctr"/>
             <a:r>
               <a:rPr b="0" lang="ru-RU" sz="4400" spc="-1" strike="noStrike">
                 <a:latin typeface="Arial"/>
               </a:rPr>
-              <a:t>Для правки текста заглавия щёлкните мышью</a:t>
+              <a:t>Click to edit the title text format</a:t>
             </a:r>
             <a:endParaRPr b="0" lang="ru-RU" sz="4400" spc="-1" strike="noStrike">
               <a:latin typeface="Arial"/>
@@ -4384,7 +4463,7 @@
               <a:rPr b="0" lang="ru-RU" sz="3200" spc="-1" strike="noStrike">
                 <a:latin typeface="Arial"/>
               </a:rPr>
-              <a:t>Для правки структуры щёлкните мышью</a:t>
+              <a:t>Click to edit the outline text format</a:t>
             </a:r>
             <a:endParaRPr b="0" lang="ru-RU" sz="3200" spc="-1" strike="noStrike">
               <a:latin typeface="Arial"/>
@@ -4406,7 +4485,7 @@
               <a:rPr b="0" lang="ru-RU" sz="2800" spc="-1" strike="noStrike">
                 <a:latin typeface="Arial"/>
               </a:rPr>
-              <a:t>Второй уровень структуры</a:t>
+              <a:t>Second Outline Level</a:t>
             </a:r>
             <a:endParaRPr b="0" lang="ru-RU" sz="2800" spc="-1" strike="noStrike">
               <a:latin typeface="Arial"/>
@@ -4428,7 +4507,7 @@
               <a:rPr b="0" lang="ru-RU" sz="2400" spc="-1" strike="noStrike">
                 <a:latin typeface="Arial"/>
               </a:rPr>
-              <a:t>Третий уровень структуры</a:t>
+              <a:t>Third Outline Level</a:t>
             </a:r>
             <a:endParaRPr b="0" lang="ru-RU" sz="2400" spc="-1" strike="noStrike">
               <a:latin typeface="Arial"/>
@@ -4450,7 +4529,7 @@
               <a:rPr b="0" lang="ru-RU" sz="2000" spc="-1" strike="noStrike">
                 <a:latin typeface="Arial"/>
               </a:rPr>
-              <a:t>Четвёртый уровень структуры</a:t>
+              <a:t>Fourth Outline Level</a:t>
             </a:r>
             <a:endParaRPr b="0" lang="ru-RU" sz="2000" spc="-1" strike="noStrike">
               <a:latin typeface="Arial"/>
@@ -4472,7 +4551,7 @@
               <a:rPr b="0" lang="ru-RU" sz="2000" spc="-1" strike="noStrike">
                 <a:latin typeface="Arial"/>
               </a:rPr>
-              <a:t>Пятый уровень структуры</a:t>
+              <a:t>Fifth Outline Level</a:t>
             </a:r>
             <a:endParaRPr b="0" lang="ru-RU" sz="2000" spc="-1" strike="noStrike">
               <a:latin typeface="Arial"/>
@@ -4494,7 +4573,7 @@
               <a:rPr b="0" lang="ru-RU" sz="2000" spc="-1" strike="noStrike">
                 <a:latin typeface="Arial"/>
               </a:rPr>
-              <a:t>Шестой уровень структуры</a:t>
+              <a:t>Sixth Outline Level</a:t>
             </a:r>
             <a:endParaRPr b="0" lang="ru-RU" sz="2000" spc="-1" strike="noStrike">
               <a:latin typeface="Arial"/>
@@ -4516,7 +4595,7 @@
               <a:rPr b="0" lang="ru-RU" sz="2000" spc="-1" strike="noStrike">
                 <a:latin typeface="Arial"/>
               </a:rPr>
-              <a:t>Седьмой уровень структуры</a:t>
+              <a:t>Seventh Outline Level</a:t>
             </a:r>
             <a:endParaRPr b="0" lang="ru-RU" sz="2000" spc="-1" strike="noStrike">
               <a:latin typeface="Arial"/>
@@ -4591,14 +4670,16 @@
           </a:prstGeom>
         </p:spPr>
         <p:txBody>
-          <a:bodyPr lIns="0" rIns="0" tIns="0" bIns="0" anchor="ctr"/>
+          <a:bodyPr lIns="0" rIns="0" tIns="0" bIns="0" anchor="ctr">
+            <a:noAutofit/>
+          </a:bodyPr>
           <a:p>
             <a:pPr algn="ctr"/>
             <a:r>
               <a:rPr b="0" lang="ru-RU" sz="4400" spc="-1" strike="noStrike">
                 <a:latin typeface="Arial"/>
               </a:rPr>
-              <a:t>Для правки текста заглавия щёлкните мышью</a:t>
+              <a:t>Click to edit the title text format</a:t>
             </a:r>
             <a:endParaRPr b="0" lang="ru-RU" sz="4400" spc="-1" strike="noStrike">
               <a:latin typeface="Arial"/>
@@ -4645,7 +4726,7 @@
               <a:rPr b="0" lang="ru-RU" sz="3200" spc="-1" strike="noStrike">
                 <a:latin typeface="Arial"/>
               </a:rPr>
-              <a:t>Для правки структуры щёлкните мышью</a:t>
+              <a:t>Click to edit the outline text format</a:t>
             </a:r>
             <a:endParaRPr b="0" lang="ru-RU" sz="3200" spc="-1" strike="noStrike">
               <a:latin typeface="Arial"/>
@@ -4667,7 +4748,7 @@
               <a:rPr b="0" lang="ru-RU" sz="2800" spc="-1" strike="noStrike">
                 <a:latin typeface="Arial"/>
               </a:rPr>
-              <a:t>Второй уровень структуры</a:t>
+              <a:t>Second Outline Level</a:t>
             </a:r>
             <a:endParaRPr b="0" lang="ru-RU" sz="2800" spc="-1" strike="noStrike">
               <a:latin typeface="Arial"/>
@@ -4689,7 +4770,7 @@
               <a:rPr b="0" lang="ru-RU" sz="2400" spc="-1" strike="noStrike">
                 <a:latin typeface="Arial"/>
               </a:rPr>
-              <a:t>Третий уровень структуры</a:t>
+              <a:t>Third Outline Level</a:t>
             </a:r>
             <a:endParaRPr b="0" lang="ru-RU" sz="2400" spc="-1" strike="noStrike">
               <a:latin typeface="Arial"/>
@@ -4711,7 +4792,7 @@
               <a:rPr b="0" lang="ru-RU" sz="2000" spc="-1" strike="noStrike">
                 <a:latin typeface="Arial"/>
               </a:rPr>
-              <a:t>Четвёртый уровень структуры</a:t>
+              <a:t>Fourth Outline Level</a:t>
             </a:r>
             <a:endParaRPr b="0" lang="ru-RU" sz="2000" spc="-1" strike="noStrike">
               <a:latin typeface="Arial"/>
@@ -4733,7 +4814,7 @@
               <a:rPr b="0" lang="ru-RU" sz="2000" spc="-1" strike="noStrike">
                 <a:latin typeface="Arial"/>
               </a:rPr>
-              <a:t>Пятый уровень структуры</a:t>
+              <a:t>Fifth Outline Level</a:t>
             </a:r>
             <a:endParaRPr b="0" lang="ru-RU" sz="2000" spc="-1" strike="noStrike">
               <a:latin typeface="Arial"/>
@@ -4755,7 +4836,7 @@
               <a:rPr b="0" lang="ru-RU" sz="2000" spc="-1" strike="noStrike">
                 <a:latin typeface="Arial"/>
               </a:rPr>
-              <a:t>Шестой уровень структуры</a:t>
+              <a:t>Sixth Outline Level</a:t>
             </a:r>
             <a:endParaRPr b="0" lang="ru-RU" sz="2000" spc="-1" strike="noStrike">
               <a:latin typeface="Arial"/>
@@ -4777,7 +4858,7 @@
               <a:rPr b="0" lang="ru-RU" sz="2000" spc="-1" strike="noStrike">
                 <a:latin typeface="Arial"/>
               </a:rPr>
-              <a:t>Седьмой уровень структуры</a:t>
+              <a:t>Seventh Outline Level</a:t>
             </a:r>
             <a:endParaRPr b="0" lang="ru-RU" sz="2000" spc="-1" strike="noStrike">
               <a:latin typeface="Arial"/>
@@ -4831,7 +4912,7 @@
         <p:spPr>
           <a:xfrm>
             <a:off x="548640" y="301320"/>
-            <a:ext cx="10797840" cy="4452840"/>
+            <a:ext cx="10797480" cy="4452480"/>
           </a:xfrm>
           <a:prstGeom prst="rect">
             <a:avLst/>
@@ -4852,6 +4933,11 @@
             <a:normAutofit/>
           </a:bodyPr>
           <a:p>
+            <a:pPr>
+              <a:lnSpc>
+                <a:spcPct val="100000"/>
+              </a:lnSpc>
+            </a:pPr>
             <a:r>
               <a:rPr b="0" lang="ru-RU" sz="8000" spc="-1" strike="noStrike">
                 <a:solidFill>
@@ -4877,7 +4963,7 @@
         <p:spPr>
           <a:xfrm>
             <a:off x="552960" y="5216400"/>
-            <a:ext cx="10789200" cy="1549440"/>
+            <a:ext cx="10788840" cy="1549080"/>
           </a:xfrm>
           <a:prstGeom prst="rect">
             <a:avLst/>
@@ -4894,8 +4980,15 @@
           <a:fontRef idx="minor"/>
         </p:style>
         <p:txBody>
-          <a:bodyPr lIns="0" rIns="0" tIns="0" bIns="0"/>
-          <a:p>
+          <a:bodyPr lIns="0" rIns="0" tIns="0" bIns="0">
+            <a:noAutofit/>
+          </a:bodyPr>
+          <a:p>
+            <a:pPr>
+              <a:lnSpc>
+                <a:spcPct val="100000"/>
+              </a:lnSpc>
+            </a:pPr>
             <a:r>
               <a:rPr b="1" lang="ru-RU" sz="3600" spc="-1" strike="noStrike">
                 <a:solidFill>
@@ -4904,13 +4997,18 @@
                 <a:latin typeface="Source Sans Pro"/>
                 <a:ea typeface="DejaVu Sans"/>
               </a:rPr>
-              <a:t>Лекция 3. Microsoft SQL Server</a:t>
+              <a:t>Лекция 3. SQL &amp; .NET (EF Core)</a:t>
             </a:r>
             <a:endParaRPr b="0" lang="ru-RU" sz="3600" spc="-1" strike="noStrike">
               <a:latin typeface="Arial"/>
             </a:endParaRPr>
           </a:p>
           <a:p>
+            <a:pPr>
+              <a:lnSpc>
+                <a:spcPct val="100000"/>
+              </a:lnSpc>
+            </a:pPr>
             <a:r>
               <a:rPr b="1" lang="ru-RU" sz="3600" spc="-1" strike="noStrike">
                 <a:solidFill>
@@ -4919,7 +5017,7 @@
                 <a:latin typeface="Source Sans Pro"/>
                 <a:ea typeface="DejaVu Sans"/>
               </a:rPr>
-              <a:t>Пешехонов К. А., 22.10.2018</a:t>
+              <a:t>Пешехонов К. А., 06.10.2020</a:t>
             </a:r>
             <a:endParaRPr b="0" lang="ru-RU" sz="3600" spc="-1" strike="noStrike">
               <a:latin typeface="Arial"/>
@@ -4929,33 +5027,14 @@
       </p:sp>
     </p:spTree>
   </p:cSld>
-  <p:timing>
-    <p:tnLst>
-      <p:par>
-        <p:cTn id="1" dur="indefinite" restart="never" nodeType="tmRoot">
-          <p:childTnLst>
-            <p:seq>
-              <p:cTn id="2" dur="indefinite" nodeType="mainSeq"/>
-              <p:prevCondLst>
-                <p:cond delay="0" evt="onPrev">
-                  <p:tgtEl>
-                    <p:sldTgt/>
-                  </p:tgtEl>
-                </p:cond>
-              </p:prevCondLst>
-              <p:nextCondLst>
-                <p:cond delay="0" evt="onNext">
-                  <p:tgtEl>
-                    <p:sldTgt/>
-                  </p:tgtEl>
-                </p:cond>
-              </p:nextCondLst>
-            </p:seq>
-          </p:childTnLst>
-        </p:cTn>
-      </p:par>
-    </p:tnLst>
-  </p:timing>
+  <mc:AlternateContent>
+    <mc:Choice Requires="p14">
+      <p:transition spd="slow" p14:dur="2000"/>
+    </mc:Choice>
+    <mc:Fallback>
+      <p:transition spd="slow"/>
+    </mc:Fallback>
+  </mc:AlternateContent>
 </p:sld>
 </file>
 
@@ -4984,8 +5063,8 @@
         </p:nvSpPr>
         <p:spPr>
           <a:xfrm>
-            <a:off x="599040" y="121320"/>
-            <a:ext cx="10797840" cy="1261440"/>
+            <a:off x="599040" y="1920240"/>
+            <a:ext cx="10738440" cy="4662360"/>
           </a:xfrm>
           <a:prstGeom prst="rect">
             <a:avLst/>
@@ -5002,57 +5081,11 @@
           <a:fontRef idx="minor"/>
         </p:style>
         <p:txBody>
-          <a:bodyPr lIns="0" rIns="0" tIns="0" bIns="0" anchor="b">
-            <a:normAutofit/>
-          </a:bodyPr>
-          <a:p>
-            <a:r>
-              <a:rPr b="0" lang="ru-RU" sz="6000" spc="-1" strike="noStrike">
-                <a:solidFill>
-                  <a:srgbClr val="ffffff"/>
-                </a:solidFill>
-                <a:latin typeface="Source Sans Pro Light"/>
-                <a:ea typeface="DejaVu Sans"/>
-              </a:rPr>
-              <a:t>Code First vs Model First</a:t>
-            </a:r>
-            <a:endParaRPr b="0" lang="ru-RU" sz="6000" spc="-1" strike="noStrike">
-              <a:latin typeface="Arial"/>
-            </a:endParaRPr>
-          </a:p>
-        </p:txBody>
-      </p:sp>
-      <p:sp>
-        <p:nvSpPr>
-          <p:cNvPr id="135" name="CustomShape 2"/>
-          <p:cNvSpPr/>
-          <p:nvPr/>
-        </p:nvSpPr>
-        <p:spPr>
-          <a:xfrm>
-            <a:off x="599040" y="1920240"/>
-            <a:ext cx="10738800" cy="4662720"/>
-          </a:xfrm>
-          <a:prstGeom prst="rect">
-            <a:avLst/>
-          </a:prstGeom>
-          <a:noFill/>
-          <a:ln>
-            <a:noFill/>
-          </a:ln>
-        </p:spPr>
-        <p:style>
-          <a:lnRef idx="0"/>
-          <a:fillRef idx="0"/>
-          <a:effectRef idx="0"/>
-          <a:fontRef idx="minor"/>
-        </p:style>
-        <p:txBody>
           <a:bodyPr lIns="0" rIns="0" tIns="0" bIns="0">
-            <a:normAutofit/>
-          </a:bodyPr>
-          <a:p>
-            <a:pPr marL="432000" indent="-323280">
+            <a:normAutofit fontScale="80000"/>
+          </a:bodyPr>
+          <a:p>
+            <a:pPr marL="432000" indent="-322920">
               <a:lnSpc>
                 <a:spcPct val="100000"/>
               </a:lnSpc>
@@ -5074,14 +5107,14 @@
                 <a:latin typeface="Source Sans Pro"/>
                 <a:ea typeface="DejaVu Sans"/>
               </a:rPr>
-              <a:t>Model First – edmx файл сгенерированный по БД</a:t>
-            </a:r>
-            <a:endParaRPr b="0" lang="ru-RU" sz="3200" spc="-1" strike="noStrike">
-              <a:latin typeface="Arial"/>
-            </a:endParaRPr>
-          </a:p>
-          <a:p>
-            <a:pPr marL="432000" indent="-323280">
+              <a:t>Замена PowerShell команд для управления EF</a:t>
+            </a:r>
+            <a:endParaRPr b="0" lang="ru-RU" sz="3200" spc="-1" strike="noStrike">
+              <a:latin typeface="Arial"/>
+            </a:endParaRPr>
+          </a:p>
+          <a:p>
+            <a:pPr marL="432000" indent="-322920">
               <a:lnSpc>
                 <a:spcPct val="100000"/>
               </a:lnSpc>
@@ -5103,14 +5136,14 @@
                 <a:latin typeface="Source Sans Pro"/>
                 <a:ea typeface="DejaVu Sans"/>
               </a:rPr>
-              <a:t>Code First – модель классов, по которой генерится БД</a:t>
-            </a:r>
-            <a:endParaRPr b="0" lang="ru-RU" sz="3200" spc="-1" strike="noStrike">
-              <a:latin typeface="Arial"/>
-            </a:endParaRPr>
-          </a:p>
-          <a:p>
-            <a:pPr marL="432000" indent="-323280">
+              <a:t>Устаналивается пакетно (удобно на CI)</a:t>
+            </a:r>
+            <a:endParaRPr b="0" lang="ru-RU" sz="3200" spc="-1" strike="noStrike">
+              <a:latin typeface="Arial"/>
+            </a:endParaRPr>
+          </a:p>
+          <a:p>
+            <a:pPr marL="432000" indent="-322920">
               <a:lnSpc>
                 <a:spcPct val="100000"/>
               </a:lnSpc>
@@ -5132,14 +5165,14 @@
                 <a:latin typeface="Source Sans Pro"/>
                 <a:ea typeface="DejaVu Sans"/>
               </a:rPr>
-              <a:t>Рекомендуемый вариант для новых проектов Code First</a:t>
-            </a:r>
-            <a:endParaRPr b="0" lang="ru-RU" sz="3200" spc="-1" strike="noStrike">
-              <a:latin typeface="Arial"/>
-            </a:endParaRPr>
-          </a:p>
-          <a:p>
-            <a:pPr marL="432000" indent="-323280">
+              <a:t>dotnet tool install --global dotnet-ef</a:t>
+            </a:r>
+            <a:endParaRPr b="0" lang="ru-RU" sz="3200" spc="-1" strike="noStrike">
+              <a:latin typeface="Arial"/>
+            </a:endParaRPr>
+          </a:p>
+          <a:p>
+            <a:pPr marL="432000" indent="-322920">
               <a:lnSpc>
                 <a:spcPct val="100000"/>
               </a:lnSpc>
@@ -5161,9 +5194,166 @@
                 <a:latin typeface="Source Sans Pro"/>
                 <a:ea typeface="DejaVu Sans"/>
               </a:rPr>
-              <a:t>Есть способы перегонять из существующей БД в Code First (DB → Model First → Code First)</a:t>
-            </a:r>
-            <a:endParaRPr b="0" lang="ru-RU" sz="3200" spc="-1" strike="noStrike">
+              <a:t>dotnet add package Microsoft.EntityFrameworkCore.Design</a:t>
+            </a:r>
+            <a:endParaRPr b="0" lang="ru-RU" sz="3200" spc="-1" strike="noStrike">
+              <a:latin typeface="Arial"/>
+            </a:endParaRPr>
+          </a:p>
+          <a:p>
+            <a:pPr marL="432000" indent="-322920">
+              <a:lnSpc>
+                <a:spcPct val="100000"/>
+              </a:lnSpc>
+              <a:spcAft>
+                <a:spcPts val="1409"/>
+              </a:spcAft>
+              <a:buClr>
+                <a:srgbClr val="04617b"/>
+              </a:buClr>
+              <a:buSzPct val="45000"/>
+              <a:buFont typeface="Wingdings" charset="2"/>
+              <a:buChar char=""/>
+            </a:pPr>
+            <a:r>
+              <a:rPr b="0" lang="ru-RU" sz="3200" spc="-1" strike="noStrike">
+                <a:solidFill>
+                  <a:srgbClr val="000000"/>
+                </a:solidFill>
+                <a:latin typeface="Source Sans Pro"/>
+                <a:ea typeface="DejaVu Sans"/>
+              </a:rPr>
+              <a:t>dotnet restore</a:t>
+            </a:r>
+            <a:endParaRPr b="0" lang="ru-RU" sz="3200" spc="-1" strike="noStrike">
+              <a:latin typeface="Arial"/>
+            </a:endParaRPr>
+          </a:p>
+          <a:p>
+            <a:pPr marL="432000" indent="-322920">
+              <a:lnSpc>
+                <a:spcPct val="100000"/>
+              </a:lnSpc>
+              <a:spcAft>
+                <a:spcPts val="1409"/>
+              </a:spcAft>
+              <a:buClr>
+                <a:srgbClr val="04617b"/>
+              </a:buClr>
+              <a:buSzPct val="45000"/>
+              <a:buFont typeface="Wingdings" charset="2"/>
+              <a:buChar char=""/>
+            </a:pPr>
+            <a:r>
+              <a:rPr b="0" lang="ru-RU" sz="3200" spc="-1" strike="noStrike">
+                <a:solidFill>
+                  <a:srgbClr val="000000"/>
+                </a:solidFill>
+                <a:latin typeface="Source Sans Pro"/>
+                <a:ea typeface="DejaVu Sans"/>
+              </a:rPr>
+              <a:t>dotnet ef</a:t>
+            </a:r>
+            <a:endParaRPr b="0" lang="ru-RU" sz="3200" spc="-1" strike="noStrike">
+              <a:latin typeface="Arial"/>
+            </a:endParaRPr>
+          </a:p>
+          <a:p>
+            <a:pPr marL="432000" indent="-322920">
+              <a:lnSpc>
+                <a:spcPct val="100000"/>
+              </a:lnSpc>
+              <a:spcAft>
+                <a:spcPts val="1409"/>
+              </a:spcAft>
+              <a:buClr>
+                <a:srgbClr val="04617b"/>
+              </a:buClr>
+              <a:buSzPct val="45000"/>
+              <a:buFont typeface="Wingdings" charset="2"/>
+              <a:buChar char=""/>
+            </a:pPr>
+            <a:r>
+              <a:rPr b="0" lang="ru-RU" sz="3200" spc="-1" strike="noStrike">
+                <a:solidFill>
+                  <a:srgbClr val="000000"/>
+                </a:solidFill>
+                <a:latin typeface="Source Sans Pro"/>
+                <a:ea typeface="DejaVu Sans"/>
+              </a:rPr>
+              <a:t>Плюс необходимо установить пакеты для соответствующей БД (в нашем случае — Postgres/NpSql)</a:t>
+            </a:r>
+            <a:endParaRPr b="0" lang="ru-RU" sz="3200" spc="-1" strike="noStrike">
+              <a:latin typeface="Arial"/>
+            </a:endParaRPr>
+          </a:p>
+          <a:p>
+            <a:pPr marL="432000" indent="-322920">
+              <a:lnSpc>
+                <a:spcPct val="100000"/>
+              </a:lnSpc>
+              <a:spcAft>
+                <a:spcPts val="1409"/>
+              </a:spcAft>
+              <a:buClr>
+                <a:srgbClr val="04617b"/>
+              </a:buClr>
+              <a:buSzPct val="45000"/>
+              <a:buFont typeface="Wingdings" charset="2"/>
+              <a:buChar char=""/>
+            </a:pPr>
+            <a:endParaRPr b="0" lang="ru-RU" sz="3200" spc="-1" strike="noStrike">
+              <a:latin typeface="Arial"/>
+            </a:endParaRPr>
+          </a:p>
+        </p:txBody>
+      </p:sp>
+      <p:sp>
+        <p:nvSpPr>
+          <p:cNvPr id="135" name="CustomShape 2"/>
+          <p:cNvSpPr/>
+          <p:nvPr/>
+        </p:nvSpPr>
+        <p:spPr>
+          <a:xfrm>
+            <a:off x="599040" y="121320"/>
+            <a:ext cx="10797480" cy="1261080"/>
+          </a:xfrm>
+          <a:prstGeom prst="rect">
+            <a:avLst/>
+          </a:prstGeom>
+          <a:noFill/>
+          <a:ln>
+            <a:noFill/>
+          </a:ln>
+        </p:spPr>
+        <p:style>
+          <a:lnRef idx="0"/>
+          <a:fillRef idx="0"/>
+          <a:effectRef idx="0"/>
+          <a:fontRef idx="minor"/>
+        </p:style>
+        <p:txBody>
+          <a:bodyPr lIns="0" rIns="0" tIns="0" bIns="0" anchor="b">
+            <a:normAutofit/>
+          </a:bodyPr>
+          <a:p>
+            <a:pPr>
+              <a:lnSpc>
+                <a:spcPct val="100000"/>
+              </a:lnSpc>
+            </a:pPr>
+            <a:r>
+              <a:rPr b="0" lang="ru-RU" sz="6000" spc="-1" strike="noStrike">
+                <a:solidFill>
+                  <a:srgbClr val="ffffff"/>
+                </a:solidFill>
+                <a:latin typeface="Source Sans Pro Light"/>
+                <a:ea typeface="DejaVu Sans"/>
+              </a:rPr>
+              <a:t>EF Core Tools</a:t>
+            </a:r>
+            <a:endParaRPr b="0" lang="ru-RU" sz="6000" spc="-1" strike="noStrike">
               <a:latin typeface="Arial"/>
             </a:endParaRPr>
           </a:p>
@@ -5171,33 +5361,14 @@
       </p:sp>
     </p:spTree>
   </p:cSld>
-  <p:timing>
-    <p:tnLst>
-      <p:par>
-        <p:cTn id="19" dur="indefinite" restart="never" nodeType="tmRoot">
-          <p:childTnLst>
-            <p:seq>
-              <p:cTn id="20" dur="indefinite" nodeType="mainSeq"/>
-              <p:prevCondLst>
-                <p:cond delay="0" evt="onPrev">
-                  <p:tgtEl>
-                    <p:sldTgt/>
-                  </p:tgtEl>
-                </p:cond>
-              </p:prevCondLst>
-              <p:nextCondLst>
-                <p:cond delay="0" evt="onNext">
-                  <p:tgtEl>
-                    <p:sldTgt/>
-                  </p:tgtEl>
-                </p:cond>
-              </p:nextCondLst>
-            </p:seq>
-          </p:childTnLst>
-        </p:cTn>
-      </p:par>
-    </p:tnLst>
-  </p:timing>
+  <mc:AlternateContent>
+    <mc:Choice Requires="p14">
+      <p:transition spd="slow" p14:dur="2000"/>
+    </mc:Choice>
+    <mc:Fallback>
+      <p:transition spd="slow"/>
+    </mc:Fallback>
+  </mc:AlternateContent>
 </p:sld>
 </file>
 
@@ -5227,7 +5398,7 @@
         <p:spPr>
           <a:xfrm>
             <a:off x="599040" y="121320"/>
-            <a:ext cx="10797840" cy="1261440"/>
+            <a:ext cx="10797480" cy="1261080"/>
           </a:xfrm>
           <a:prstGeom prst="rect">
             <a:avLst/>
@@ -5248,6 +5419,11 @@
             <a:normAutofit/>
           </a:bodyPr>
           <a:p>
+            <a:pPr>
+              <a:lnSpc>
+                <a:spcPct val="100000"/>
+              </a:lnSpc>
+            </a:pPr>
             <a:r>
               <a:rPr b="0" lang="ru-RU" sz="6000" spc="-1" strike="noStrike">
                 <a:solidFill>
@@ -5256,7 +5432,7 @@
                 <a:latin typeface="Source Sans Pro Light"/>
                 <a:ea typeface="DejaVu Sans"/>
               </a:rPr>
-              <a:t>SQL Server Profiler</a:t>
+              <a:t>EF Migrations</a:t>
             </a:r>
             <a:endParaRPr b="0" lang="ru-RU" sz="6000" spc="-1" strike="noStrike">
               <a:latin typeface="Arial"/>
@@ -5273,7 +5449,7 @@
         <p:spPr>
           <a:xfrm>
             <a:off x="599040" y="1920240"/>
-            <a:ext cx="10738800" cy="4662720"/>
+            <a:ext cx="10738440" cy="4662360"/>
           </a:xfrm>
           <a:prstGeom prst="rect">
             <a:avLst/>
@@ -5291,10 +5467,10 @@
         </p:style>
         <p:txBody>
           <a:bodyPr lIns="0" rIns="0" tIns="0" bIns="0">
-            <a:normAutofit/>
-          </a:bodyPr>
-          <a:p>
-            <a:pPr marL="432000" indent="-323280">
+            <a:normAutofit fontScale="45000"/>
+          </a:bodyPr>
+          <a:p>
+            <a:pPr marL="432000" indent="-322920">
               <a:lnSpc>
                 <a:spcPct val="100000"/>
               </a:lnSpc>
@@ -5316,14 +5492,24 @@
                 <a:latin typeface="Source Sans Pro"/>
                 <a:ea typeface="DejaVu Sans"/>
               </a:rPr>
-              <a:t>Способ удаленно перехватить все обращения к SQL серверу</a:t>
-            </a:r>
-            <a:endParaRPr b="0" lang="ru-RU" sz="3200" spc="-1" strike="noStrike">
-              <a:latin typeface="Arial"/>
-            </a:endParaRPr>
-          </a:p>
-          <a:p>
-            <a:pPr marL="432000" indent="-323280">
+              <a:t>Миграции базы данных от состояния «не существует» до актуальной версии и </a:t>
+            </a:r>
+            <a:r>
+              <a:rPr b="1" lang="ru-RU" sz="3200" spc="-1" strike="noStrike">
+                <a:solidFill>
+                  <a:srgbClr val="000000"/>
+                </a:solidFill>
+                <a:latin typeface="Source Sans Pro"/>
+                <a:ea typeface="DejaVu Sans"/>
+              </a:rPr>
+              <a:t>обратно</a:t>
+            </a:r>
+            <a:endParaRPr b="0" lang="ru-RU" sz="3200" spc="-1" strike="noStrike">
+              <a:latin typeface="Arial"/>
+            </a:endParaRPr>
+          </a:p>
+          <a:p>
+            <a:pPr marL="432000" indent="-322920">
               <a:lnSpc>
                 <a:spcPct val="100000"/>
               </a:lnSpc>
@@ -5345,14 +5531,14 @@
                 <a:latin typeface="Source Sans Pro"/>
                 <a:ea typeface="DejaVu Sans"/>
               </a:rPr>
-              <a:t>RPC:Completed, включить TextData</a:t>
-            </a:r>
-            <a:endParaRPr b="0" lang="ru-RU" sz="3200" spc="-1" strike="noStrike">
-              <a:latin typeface="Arial"/>
-            </a:endParaRPr>
-          </a:p>
-          <a:p>
-            <a:pPr marL="432000" indent="-323280">
+              <a:t>Автоматическая генерация</a:t>
+            </a:r>
+            <a:endParaRPr b="0" lang="ru-RU" sz="3200" spc="-1" strike="noStrike">
+              <a:latin typeface="Arial"/>
+            </a:endParaRPr>
+          </a:p>
+          <a:p>
+            <a:pPr marL="432000" indent="-322920">
               <a:lnSpc>
                 <a:spcPct val="100000"/>
               </a:lnSpc>
@@ -5366,64 +5552,157 @@
               <a:buFont typeface="Wingdings" charset="2"/>
               <a:buChar char=""/>
             </a:pPr>
-            <a:endParaRPr b="0" lang="ru-RU" sz="3200" spc="-1" strike="noStrike">
-              <a:latin typeface="Arial"/>
-            </a:endParaRPr>
-          </a:p>
-        </p:txBody>
-      </p:sp>
-      <p:pic>
-        <p:nvPicPr>
-          <p:cNvPr id="138" name="" descr=""/>
-          <p:cNvPicPr/>
-          <p:nvPr/>
-        </p:nvPicPr>
-        <p:blipFill>
-          <a:blip r:embed="rId1"/>
-          <a:stretch/>
-        </p:blipFill>
-        <p:spPr>
-          <a:xfrm>
-            <a:off x="1618200" y="3666960"/>
-            <a:ext cx="9181800" cy="3161880"/>
-          </a:xfrm>
-          <a:prstGeom prst="rect">
-            <a:avLst/>
-          </a:prstGeom>
-          <a:ln>
-            <a:noFill/>
-          </a:ln>
-        </p:spPr>
-      </p:pic>
+            <a:r>
+              <a:rPr b="0" lang="ru-RU" sz="3200" spc="-1" strike="noStrike">
+                <a:solidFill>
+                  <a:srgbClr val="000000"/>
+                </a:solidFill>
+                <a:latin typeface="Source Sans Pro"/>
+                <a:ea typeface="DejaVu Sans"/>
+              </a:rPr>
+              <a:t>Контекст поддерживает проверку наличия данных в БД и добавление/удаление — Context.OnModelCreating</a:t>
+            </a:r>
+            <a:endParaRPr b="0" lang="ru-RU" sz="3200" spc="-1" strike="noStrike">
+              <a:latin typeface="Arial"/>
+            </a:endParaRPr>
+          </a:p>
+          <a:p>
+            <a:pPr marL="432000" indent="-322920">
+              <a:lnSpc>
+                <a:spcPct val="100000"/>
+              </a:lnSpc>
+              <a:spcAft>
+                <a:spcPts val="1409"/>
+              </a:spcAft>
+              <a:buClr>
+                <a:srgbClr val="04617b"/>
+              </a:buClr>
+              <a:buSzPct val="45000"/>
+              <a:buFont typeface="Wingdings" charset="2"/>
+              <a:buChar char=""/>
+            </a:pPr>
+            <a:r>
+              <a:rPr b="0" lang="ru-RU" sz="3200" spc="-1" strike="noStrike">
+                <a:solidFill>
+                  <a:srgbClr val="000000"/>
+                </a:solidFill>
+                <a:latin typeface="Source Sans Pro"/>
+                <a:ea typeface="DejaVu Sans"/>
+              </a:rPr>
+              <a:t>dotnet ef dbcontext scaffold "Host=localhost;Port=5432;Database=postgres;User ID=postgres;Password=root;" Npgsql.EntityFrameworkCore.PostgreSQL --project SQL/Database.EFCore</a:t>
+            </a:r>
+            <a:endParaRPr b="0" lang="ru-RU" sz="3200" spc="-1" strike="noStrike">
+              <a:latin typeface="Arial"/>
+            </a:endParaRPr>
+          </a:p>
+          <a:p>
+            <a:pPr marL="432000" indent="-322920">
+              <a:lnSpc>
+                <a:spcPct val="100000"/>
+              </a:lnSpc>
+              <a:spcAft>
+                <a:spcPts val="1409"/>
+              </a:spcAft>
+              <a:buClr>
+                <a:srgbClr val="04617b"/>
+              </a:buClr>
+              <a:buSzPct val="45000"/>
+              <a:buFont typeface="Wingdings" charset="2"/>
+              <a:buChar char=""/>
+            </a:pPr>
+            <a:r>
+              <a:rPr b="0" lang="ru-RU" sz="3200" spc="-1" strike="noStrike">
+                <a:solidFill>
+                  <a:srgbClr val="000000"/>
+                </a:solidFill>
+                <a:latin typeface="Source Sans Pro"/>
+                <a:ea typeface="DejaVu Sans"/>
+              </a:rPr>
+              <a:t>dotnet ef migrations add Initial --project SQL/Database.EFCore</a:t>
+            </a:r>
+            <a:endParaRPr b="0" lang="ru-RU" sz="3200" spc="-1" strike="noStrike">
+              <a:latin typeface="Arial"/>
+            </a:endParaRPr>
+          </a:p>
+          <a:p>
+            <a:pPr marL="432000" indent="-322920">
+              <a:lnSpc>
+                <a:spcPct val="100000"/>
+              </a:lnSpc>
+              <a:spcAft>
+                <a:spcPts val="1409"/>
+              </a:spcAft>
+              <a:buClr>
+                <a:srgbClr val="04617b"/>
+              </a:buClr>
+              <a:buSzPct val="45000"/>
+              <a:buFont typeface="Wingdings" charset="2"/>
+              <a:buChar char=""/>
+            </a:pPr>
+            <a:r>
+              <a:rPr b="0" lang="ru-RU" sz="3200" spc="-1" strike="noStrike">
+                <a:solidFill>
+                  <a:srgbClr val="000000"/>
+                </a:solidFill>
+                <a:latin typeface="Source Sans Pro"/>
+                <a:ea typeface="DejaVu Sans"/>
+              </a:rPr>
+              <a:t>dotnet ef database update --project SQL/Database.EFCore</a:t>
+            </a:r>
+            <a:endParaRPr b="0" lang="ru-RU" sz="3200" spc="-1" strike="noStrike">
+              <a:latin typeface="Arial"/>
+            </a:endParaRPr>
+          </a:p>
+          <a:p>
+            <a:pPr marL="432000" indent="-322920">
+              <a:lnSpc>
+                <a:spcPct val="100000"/>
+              </a:lnSpc>
+              <a:spcAft>
+                <a:spcPts val="1409"/>
+              </a:spcAft>
+              <a:buClr>
+                <a:srgbClr val="04617b"/>
+              </a:buClr>
+              <a:buSzPct val="45000"/>
+              <a:buFont typeface="Wingdings" charset="2"/>
+              <a:buChar char=""/>
+            </a:pPr>
+            <a:endParaRPr b="0" lang="ru-RU" sz="3200" spc="-1" strike="noStrike">
+              <a:latin typeface="Arial"/>
+            </a:endParaRPr>
+          </a:p>
+          <a:p>
+            <a:pPr marL="432000" indent="-322920">
+              <a:lnSpc>
+                <a:spcPct val="100000"/>
+              </a:lnSpc>
+              <a:spcAft>
+                <a:spcPts val="1409"/>
+              </a:spcAft>
+              <a:buClr>
+                <a:srgbClr val="04617b"/>
+              </a:buClr>
+              <a:buSzPct val="45000"/>
+              <a:buFont typeface="Wingdings" charset="2"/>
+              <a:buChar char=""/>
+            </a:pPr>
+            <a:endParaRPr b="0" lang="ru-RU" sz="3200" spc="-1" strike="noStrike">
+              <a:latin typeface="Arial"/>
+            </a:endParaRPr>
+          </a:p>
+        </p:txBody>
+      </p:sp>
     </p:spTree>
   </p:cSld>
-  <p:timing>
-    <p:tnLst>
-      <p:par>
-        <p:cTn id="21" dur="indefinite" restart="never" nodeType="tmRoot">
-          <p:childTnLst>
-            <p:seq>
-              <p:cTn id="22" dur="indefinite" nodeType="mainSeq"/>
-              <p:prevCondLst>
-                <p:cond delay="0" evt="onPrev">
-                  <p:tgtEl>
-                    <p:sldTgt/>
-                  </p:tgtEl>
-                </p:cond>
-              </p:prevCondLst>
-              <p:nextCondLst>
-                <p:cond delay="0" evt="onNext">
-                  <p:tgtEl>
-                    <p:sldTgt/>
-                  </p:tgtEl>
-                </p:cond>
-              </p:nextCondLst>
-            </p:seq>
-          </p:childTnLst>
-        </p:cTn>
-      </p:par>
-    </p:tnLst>
-  </p:timing>
+  <mc:AlternateContent>
+    <mc:Choice Requires="p14">
+      <p:transition spd="slow" p14:dur="2000"/>
+    </mc:Choice>
+    <mc:Fallback>
+      <p:transition spd="slow"/>
+    </mc:Fallback>
+  </mc:AlternateContent>
 </p:sld>
 </file>
 
@@ -5446,14 +5725,14 @@
       </p:grpSpPr>
       <p:sp>
         <p:nvSpPr>
-          <p:cNvPr id="139" name="CustomShape 1"/>
+          <p:cNvPr id="138" name="CustomShape 1"/>
           <p:cNvSpPr/>
           <p:nvPr/>
         </p:nvSpPr>
         <p:spPr>
           <a:xfrm>
             <a:off x="599040" y="121320"/>
-            <a:ext cx="10797840" cy="1261440"/>
+            <a:ext cx="10797480" cy="1261080"/>
           </a:xfrm>
           <a:prstGeom prst="rect">
             <a:avLst/>
@@ -5474,6 +5753,11 @@
             <a:normAutofit/>
           </a:bodyPr>
           <a:p>
+            <a:pPr>
+              <a:lnSpc>
+                <a:spcPct val="100000"/>
+              </a:lnSpc>
+            </a:pPr>
             <a:r>
               <a:rPr b="0" lang="ru-RU" sz="6000" spc="-1" strike="noStrike">
                 <a:solidFill>
@@ -5482,107 +5766,9 @@
                 <a:latin typeface="Source Sans Pro Light"/>
                 <a:ea typeface="DejaVu Sans"/>
               </a:rPr>
-              <a:t>Актуальный план выполнения запроса</a:t>
+              <a:t>Demo output</a:t>
             </a:r>
             <a:endParaRPr b="0" lang="ru-RU" sz="6000" spc="-1" strike="noStrike">
-              <a:latin typeface="Arial"/>
-            </a:endParaRPr>
-          </a:p>
-        </p:txBody>
-      </p:sp>
-      <p:sp>
-        <p:nvSpPr>
-          <p:cNvPr id="140" name="CustomShape 2"/>
-          <p:cNvSpPr/>
-          <p:nvPr/>
-        </p:nvSpPr>
-        <p:spPr>
-          <a:xfrm>
-            <a:off x="599040" y="1920240"/>
-            <a:ext cx="10738800" cy="4662720"/>
-          </a:xfrm>
-          <a:prstGeom prst="rect">
-            <a:avLst/>
-          </a:prstGeom>
-          <a:noFill/>
-          <a:ln>
-            <a:noFill/>
-          </a:ln>
-        </p:spPr>
-        <p:style>
-          <a:lnRef idx="0"/>
-          <a:fillRef idx="0"/>
-          <a:effectRef idx="0"/>
-          <a:fontRef idx="minor"/>
-        </p:style>
-        <p:txBody>
-          <a:bodyPr lIns="0" rIns="0" tIns="0" bIns="0">
-            <a:normAutofit/>
-          </a:bodyPr>
-          <a:p>
-            <a:pPr marL="432000" indent="-323280">
-              <a:lnSpc>
-                <a:spcPct val="100000"/>
-              </a:lnSpc>
-              <a:spcAft>
-                <a:spcPts val="1409"/>
-              </a:spcAft>
-              <a:buClr>
-                <a:srgbClr val="04617b"/>
-              </a:buClr>
-              <a:buSzPct val="45000"/>
-              <a:buFont typeface="Wingdings" charset="2"/>
-              <a:buChar char=""/>
-            </a:pPr>
-            <a:r>
-              <a:rPr b="0" lang="ru-RU" sz="3200" spc="-1" strike="noStrike">
-                <a:solidFill>
-                  <a:srgbClr val="000000"/>
-                </a:solidFill>
-                <a:latin typeface="Source Sans Pro"/>
-                <a:ea typeface="DejaVu Sans"/>
-              </a:rPr>
-              <a:t>Информация о том, что реально происходит при вашем запросе</a:t>
-            </a:r>
-            <a:endParaRPr b="0" lang="ru-RU" sz="3200" spc="-1" strike="noStrike">
-              <a:latin typeface="Arial"/>
-            </a:endParaRPr>
-          </a:p>
-          <a:p>
-            <a:pPr marL="432000" indent="-323280">
-              <a:lnSpc>
-                <a:spcPct val="100000"/>
-              </a:lnSpc>
-              <a:spcAft>
-                <a:spcPts val="1409"/>
-              </a:spcAft>
-              <a:buClr>
-                <a:srgbClr val="04617b"/>
-              </a:buClr>
-              <a:buSzPct val="45000"/>
-              <a:buFont typeface="Wingdings" charset="2"/>
-              <a:buChar char=""/>
-            </a:pPr>
-            <a:endParaRPr b="0" lang="ru-RU" sz="3200" spc="-1" strike="noStrike">
-              <a:latin typeface="Arial"/>
-            </a:endParaRPr>
-          </a:p>
-          <a:p>
-            <a:pPr marL="432000" indent="-323280">
-              <a:lnSpc>
-                <a:spcPct val="100000"/>
-              </a:lnSpc>
-              <a:spcAft>
-                <a:spcPts val="1409"/>
-              </a:spcAft>
-              <a:buClr>
-                <a:srgbClr val="04617b"/>
-              </a:buClr>
-              <a:buSzPct val="45000"/>
-              <a:buFont typeface="Wingdings" charset="2"/>
-              <a:buChar char=""/>
-            </a:pPr>
-            <a:endParaRPr b="0" lang="ru-RU" sz="3200" spc="-1" strike="noStrike">
               <a:latin typeface="Arial"/>
             </a:endParaRPr>
           </a:p>
@@ -5590,7 +5776,7 @@
       </p:sp>
       <p:pic>
         <p:nvPicPr>
-          <p:cNvPr id="141" name="" descr=""/>
+          <p:cNvPr id="139" name="" descr=""/>
           <p:cNvPicPr/>
           <p:nvPr/>
         </p:nvPicPr>
@@ -5600,8 +5786,8 @@
         </p:blipFill>
         <p:spPr>
           <a:xfrm>
-            <a:off x="2975400" y="3205800"/>
-            <a:ext cx="6143400" cy="1028520"/>
+            <a:off x="2784240" y="1656000"/>
+            <a:ext cx="5783760" cy="5329440"/>
           </a:xfrm>
           <a:prstGeom prst="rect">
             <a:avLst/>
@@ -5611,189 +5797,16 @@
           </a:ln>
         </p:spPr>
       </p:pic>
-      <p:pic>
-        <p:nvPicPr>
-          <p:cNvPr id="142" name="" descr=""/>
-          <p:cNvPicPr/>
-          <p:nvPr/>
-        </p:nvPicPr>
-        <p:blipFill>
-          <a:blip r:embed="rId2"/>
-          <a:stretch/>
-        </p:blipFill>
-        <p:spPr>
-          <a:xfrm>
-            <a:off x="6597360" y="4820760"/>
-            <a:ext cx="5009760" cy="1609200"/>
-          </a:xfrm>
-          <a:prstGeom prst="rect">
-            <a:avLst/>
-          </a:prstGeom>
-          <a:ln>
-            <a:noFill/>
-          </a:ln>
-        </p:spPr>
-      </p:pic>
-      <p:sp>
-        <p:nvSpPr>
-          <p:cNvPr id="143" name="TextShape 3"/>
-          <p:cNvSpPr txBox="1"/>
-          <p:nvPr/>
-        </p:nvSpPr>
-        <p:spPr>
-          <a:xfrm>
-            <a:off x="678600" y="4726800"/>
-            <a:ext cx="5940000" cy="1114560"/>
-          </a:xfrm>
-          <a:prstGeom prst="rect">
-            <a:avLst/>
-          </a:prstGeom>
-          <a:noFill/>
-          <a:ln>
-            <a:noFill/>
-          </a:ln>
-        </p:spPr>
-        <p:txBody>
-          <a:bodyPr lIns="90000" rIns="90000" tIns="45000" bIns="45000"/>
-          <a:p>
-            <a:r>
-              <a:rPr b="0" lang="ru-RU" sz="1800" spc="-1" strike="noStrike">
-                <a:solidFill>
-                  <a:srgbClr val="000000"/>
-                </a:solidFill>
-                <a:latin typeface="Arial"/>
-              </a:rPr>
-              <a:t>SELECT [CustomerID], [CompanyName], [City], [Region]</a:t>
-            </a:r>
-            <a:endParaRPr b="0" lang="ru-RU" sz="1800" spc="-1" strike="noStrike">
-              <a:solidFill>
-                <a:srgbClr val="000000"/>
-              </a:solidFill>
-              <a:latin typeface="Arial"/>
-            </a:endParaRPr>
-          </a:p>
-          <a:p>
-            <a:r>
-              <a:rPr b="0" lang="ru-RU" sz="1800" spc="-1" strike="noStrike">
-                <a:solidFill>
-                  <a:srgbClr val="000000"/>
-                </a:solidFill>
-                <a:latin typeface="Arial"/>
-              </a:rPr>
-              <a:t>FROM [Northwind].[dbo].[Customers] </a:t>
-            </a:r>
-            <a:endParaRPr b="0" lang="ru-RU" sz="1800" spc="-1" strike="noStrike">
-              <a:solidFill>
-                <a:srgbClr val="000000"/>
-              </a:solidFill>
-              <a:latin typeface="Arial"/>
-            </a:endParaRPr>
-          </a:p>
-          <a:p>
-            <a:r>
-              <a:rPr b="0" lang="ru-RU" sz="1800" spc="-1" strike="noStrike">
-                <a:solidFill>
-                  <a:srgbClr val="000000"/>
-                </a:solidFill>
-                <a:latin typeface="Arial"/>
-              </a:rPr>
-              <a:t>WHERE [Country] = 'Germany'</a:t>
-            </a:r>
-            <a:endParaRPr b="0" lang="ru-RU" sz="1800" spc="-1" strike="noStrike">
-              <a:solidFill>
-                <a:srgbClr val="000000"/>
-              </a:solidFill>
-              <a:latin typeface="Arial"/>
-            </a:endParaRPr>
-          </a:p>
-          <a:p>
-            <a:r>
-              <a:rPr b="0" lang="ru-RU" sz="1800" spc="-1" strike="noStrike">
-                <a:solidFill>
-                  <a:srgbClr val="000000"/>
-                </a:solidFill>
-                <a:latin typeface="Arial"/>
-              </a:rPr>
-              <a:t>ORDER BY [CompanyName]</a:t>
-            </a:r>
-            <a:endParaRPr b="0" lang="ru-RU" sz="1800" spc="-1" strike="noStrike">
-              <a:solidFill>
-                <a:srgbClr val="000000"/>
-              </a:solidFill>
-              <a:latin typeface="Arial"/>
-            </a:endParaRPr>
-          </a:p>
-        </p:txBody>
-      </p:sp>
-      <p:sp>
-        <p:nvSpPr>
-          <p:cNvPr id="144" name="TextShape 4"/>
-          <p:cNvSpPr txBox="1"/>
-          <p:nvPr/>
-        </p:nvSpPr>
-        <p:spPr>
-          <a:xfrm>
-            <a:off x="956160" y="6845040"/>
-            <a:ext cx="10399320" cy="346680"/>
-          </a:xfrm>
-          <a:prstGeom prst="rect">
-            <a:avLst/>
-          </a:prstGeom>
-          <a:noFill/>
-          <a:ln>
-            <a:noFill/>
-          </a:ln>
-        </p:spPr>
-        <p:txBody>
-          <a:bodyPr lIns="90000" rIns="90000" tIns="45000" bIns="45000"/>
-          <a:p>
-            <a:r>
-              <a:rPr b="0" lang="ru-RU" sz="1800" spc="-1" strike="noStrike">
-                <a:solidFill>
-                  <a:srgbClr val="000000"/>
-                </a:solidFill>
-                <a:latin typeface="Arial"/>
-              </a:rPr>
-              <a:t>https://www.mssqltips.com/sqlservertip/1873/how-to-read-sql-server-graphical-query-execution-plans/</a:t>
-            </a:r>
-            <a:endParaRPr b="0" lang="ru-RU" sz="1800" spc="-1" strike="noStrike">
-              <a:solidFill>
-                <a:srgbClr val="000000"/>
-              </a:solidFill>
-              <a:latin typeface="Arial"/>
-            </a:endParaRPr>
-          </a:p>
-        </p:txBody>
-      </p:sp>
     </p:spTree>
   </p:cSld>
-  <p:timing>
-    <p:tnLst>
-      <p:par>
-        <p:cTn id="23" dur="indefinite" restart="never" nodeType="tmRoot">
-          <p:childTnLst>
-            <p:seq>
-              <p:cTn id="24" dur="indefinite" nodeType="mainSeq"/>
-              <p:prevCondLst>
-                <p:cond delay="0" evt="onPrev">
-                  <p:tgtEl>
-                    <p:sldTgt/>
-                  </p:tgtEl>
-                </p:cond>
-              </p:prevCondLst>
-              <p:nextCondLst>
-                <p:cond delay="0" evt="onNext">
-                  <p:tgtEl>
-                    <p:sldTgt/>
-                  </p:tgtEl>
-                </p:cond>
-              </p:nextCondLst>
-            </p:seq>
-          </p:childTnLst>
-        </p:cTn>
-      </p:par>
-    </p:tnLst>
-  </p:timing>
+  <mc:AlternateContent>
+    <mc:Choice Requires="p14">
+      <p:transition spd="slow" p14:dur="2000"/>
+    </mc:Choice>
+    <mc:Fallback>
+      <p:transition spd="slow"/>
+    </mc:Fallback>
+  </mc:AlternateContent>
 </p:sld>
 </file>
 
@@ -5816,14 +5829,14 @@
       </p:grpSpPr>
       <p:sp>
         <p:nvSpPr>
-          <p:cNvPr id="145" name="CustomShape 1"/>
+          <p:cNvPr id="140" name="CustomShape 1"/>
           <p:cNvSpPr/>
           <p:nvPr/>
         </p:nvSpPr>
         <p:spPr>
           <a:xfrm>
             <a:off x="599040" y="121320"/>
-            <a:ext cx="10797840" cy="1261440"/>
+            <a:ext cx="10797480" cy="1261080"/>
           </a:xfrm>
           <a:prstGeom prst="rect">
             <a:avLst/>
@@ -5844,6 +5857,11 @@
             <a:normAutofit/>
           </a:bodyPr>
           <a:p>
+            <a:pPr>
+              <a:lnSpc>
+                <a:spcPct val="100000"/>
+              </a:lnSpc>
+            </a:pPr>
             <a:r>
               <a:rPr b="0" lang="ru-RU" sz="6000" spc="-1" strike="noStrike">
                 <a:solidFill>
@@ -5852,7 +5870,7 @@
                 <a:latin typeface="Source Sans Pro Light"/>
                 <a:ea typeface="DejaVu Sans"/>
               </a:rPr>
-              <a:t>Домашнее задание</a:t>
+              <a:t>SQL Server Profiler</a:t>
             </a:r>
             <a:endParaRPr b="0" lang="ru-RU" sz="6000" spc="-1" strike="noStrike">
               <a:latin typeface="Arial"/>
@@ -5862,14 +5880,14 @@
       </p:sp>
       <p:sp>
         <p:nvSpPr>
-          <p:cNvPr id="146" name="CustomShape 2"/>
+          <p:cNvPr id="141" name="CustomShape 2"/>
           <p:cNvSpPr/>
           <p:nvPr/>
         </p:nvSpPr>
         <p:spPr>
           <a:xfrm>
-            <a:off x="504000" y="1888920"/>
-            <a:ext cx="11087640" cy="5022720"/>
+            <a:off x="599040" y="1920240"/>
+            <a:ext cx="10738440" cy="4662360"/>
           </a:xfrm>
           <a:prstGeom prst="rect">
             <a:avLst/>
@@ -5890,7 +5908,7 @@
             <a:normAutofit/>
           </a:bodyPr>
           <a:p>
-            <a:pPr marL="432000" indent="-323280">
+            <a:pPr marL="432000" indent="-322920">
               <a:lnSpc>
                 <a:spcPct val="100000"/>
               </a:lnSpc>
@@ -5912,14 +5930,14 @@
                 <a:latin typeface="Source Sans Pro"/>
                 <a:ea typeface="DejaVu Sans"/>
               </a:rPr>
-              <a:t>Написать уровень доступа к БД</a:t>
-            </a:r>
-            <a:endParaRPr b="0" lang="ru-RU" sz="3200" spc="-1" strike="noStrike">
-              <a:latin typeface="Arial"/>
-            </a:endParaRPr>
-          </a:p>
-          <a:p>
-            <a:pPr marL="432000" indent="-323280">
+              <a:t>Способ удаленно перехватить все обращения к SQL серверу</a:t>
+            </a:r>
+            <a:endParaRPr b="0" lang="ru-RU" sz="3200" spc="-1" strike="noStrike">
+              <a:latin typeface="Arial"/>
+            </a:endParaRPr>
+          </a:p>
+          <a:p>
+            <a:pPr marL="432000" indent="-322920">
               <a:lnSpc>
                 <a:spcPct val="100000"/>
               </a:lnSpc>
@@ -5941,43 +5959,60 @@
                 <a:latin typeface="Source Sans Pro"/>
                 <a:ea typeface="DejaVu Sans"/>
               </a:rPr>
-              <a:t>Написать интеграционные тесты, обращающиеся к специальной базе, например LocalDB</a:t>
-            </a:r>
-            <a:endParaRPr b="0" lang="ru-RU" sz="3200" spc="-1" strike="noStrike">
-              <a:latin typeface="Arial"/>
-            </a:endParaRPr>
-          </a:p>
-        </p:txBody>
-      </p:sp>
+              <a:t>RPC:Completed, включить TextData</a:t>
+            </a:r>
+            <a:endParaRPr b="0" lang="ru-RU" sz="3200" spc="-1" strike="noStrike">
+              <a:latin typeface="Arial"/>
+            </a:endParaRPr>
+          </a:p>
+          <a:p>
+            <a:pPr>
+              <a:lnSpc>
+                <a:spcPct val="100000"/>
+              </a:lnSpc>
+              <a:spcAft>
+                <a:spcPts val="1409"/>
+              </a:spcAft>
+            </a:pPr>
+            <a:endParaRPr b="0" lang="ru-RU" sz="3200" spc="-1" strike="noStrike">
+              <a:latin typeface="Arial"/>
+            </a:endParaRPr>
+          </a:p>
+        </p:txBody>
+      </p:sp>
+      <p:pic>
+        <p:nvPicPr>
+          <p:cNvPr id="142" name="" descr=""/>
+          <p:cNvPicPr/>
+          <p:nvPr/>
+        </p:nvPicPr>
+        <p:blipFill>
+          <a:blip r:embed="rId1"/>
+          <a:stretch/>
+        </p:blipFill>
+        <p:spPr>
+          <a:xfrm>
+            <a:off x="1618200" y="3666960"/>
+            <a:ext cx="9181440" cy="3161520"/>
+          </a:xfrm>
+          <a:prstGeom prst="rect">
+            <a:avLst/>
+          </a:prstGeom>
+          <a:ln>
+            <a:noFill/>
+          </a:ln>
+        </p:spPr>
+      </p:pic>
     </p:spTree>
   </p:cSld>
-  <p:timing>
-    <p:tnLst>
-      <p:par>
-        <p:cTn id="25" dur="indefinite" restart="never" nodeType="tmRoot">
-          <p:childTnLst>
-            <p:seq>
-              <p:cTn id="26" dur="indefinite" nodeType="mainSeq"/>
-              <p:prevCondLst>
-                <p:cond delay="0" evt="onPrev">
-                  <p:tgtEl>
-                    <p:sldTgt/>
-                  </p:tgtEl>
-                </p:cond>
-              </p:prevCondLst>
-              <p:nextCondLst>
-                <p:cond delay="0" evt="onNext">
-                  <p:tgtEl>
-                    <p:sldTgt/>
-                  </p:tgtEl>
-                </p:cond>
-              </p:nextCondLst>
-            </p:seq>
-          </p:childTnLst>
-        </p:cTn>
-      </p:par>
-    </p:tnLst>
-  </p:timing>
+  <mc:AlternateContent>
+    <mc:Choice Requires="p14">
+      <p:transition spd="slow" p14:dur="2000"/>
+    </mc:Choice>
+    <mc:Fallback>
+      <p:transition spd="slow"/>
+    </mc:Fallback>
+  </mc:AlternateContent>
 </p:sld>
 </file>
 
@@ -6000,14 +6035,14 @@
       </p:grpSpPr>
       <p:sp>
         <p:nvSpPr>
-          <p:cNvPr id="147" name="CustomShape 1"/>
+          <p:cNvPr id="143" name="CustomShape 1"/>
           <p:cNvSpPr/>
           <p:nvPr/>
         </p:nvSpPr>
         <p:spPr>
           <a:xfrm>
-            <a:off x="599040" y="841320"/>
-            <a:ext cx="10797840" cy="5851080"/>
+            <a:off x="599040" y="121320"/>
+            <a:ext cx="10797480" cy="1261080"/>
           </a:xfrm>
           <a:prstGeom prst="rect">
             <a:avLst/>
@@ -6024,7 +6059,578 @@
           <a:fontRef idx="minor"/>
         </p:style>
         <p:txBody>
-          <a:bodyPr lIns="0" rIns="0" tIns="0" bIns="0" anchor="ctr"/>
+          <a:bodyPr lIns="0" rIns="0" tIns="0" bIns="0" anchor="b">
+            <a:normAutofit fontScale="52000"/>
+          </a:bodyPr>
+          <a:p>
+            <a:pPr>
+              <a:lnSpc>
+                <a:spcPct val="100000"/>
+              </a:lnSpc>
+            </a:pPr>
+            <a:r>
+              <a:rPr b="0" lang="ru-RU" sz="6000" spc="-1" strike="noStrike">
+                <a:solidFill>
+                  <a:srgbClr val="ffffff"/>
+                </a:solidFill>
+                <a:latin typeface="Source Sans Pro Light"/>
+                <a:ea typeface="DejaVu Sans"/>
+              </a:rPr>
+              <a:t>Актуальный план выполнения запроса</a:t>
+            </a:r>
+            <a:endParaRPr b="0" lang="ru-RU" sz="6000" spc="-1" strike="noStrike">
+              <a:latin typeface="Arial"/>
+            </a:endParaRPr>
+          </a:p>
+        </p:txBody>
+      </p:sp>
+      <p:sp>
+        <p:nvSpPr>
+          <p:cNvPr id="144" name="CustomShape 2"/>
+          <p:cNvSpPr/>
+          <p:nvPr/>
+        </p:nvSpPr>
+        <p:spPr>
+          <a:xfrm>
+            <a:off x="599040" y="1920240"/>
+            <a:ext cx="10738440" cy="4662360"/>
+          </a:xfrm>
+          <a:prstGeom prst="rect">
+            <a:avLst/>
+          </a:prstGeom>
+          <a:noFill/>
+          <a:ln>
+            <a:noFill/>
+          </a:ln>
+        </p:spPr>
+        <p:style>
+          <a:lnRef idx="0"/>
+          <a:fillRef idx="0"/>
+          <a:effectRef idx="0"/>
+          <a:fontRef idx="minor"/>
+        </p:style>
+        <p:txBody>
+          <a:bodyPr lIns="0" rIns="0" tIns="0" bIns="0">
+            <a:normAutofit/>
+          </a:bodyPr>
+          <a:p>
+            <a:pPr marL="432000" indent="-322920">
+              <a:lnSpc>
+                <a:spcPct val="100000"/>
+              </a:lnSpc>
+              <a:spcAft>
+                <a:spcPts val="1409"/>
+              </a:spcAft>
+              <a:buClr>
+                <a:srgbClr val="04617b"/>
+              </a:buClr>
+              <a:buSzPct val="45000"/>
+              <a:buFont typeface="Wingdings" charset="2"/>
+              <a:buChar char=""/>
+            </a:pPr>
+            <a:r>
+              <a:rPr b="0" lang="ru-RU" sz="3200" spc="-1" strike="noStrike">
+                <a:solidFill>
+                  <a:srgbClr val="000000"/>
+                </a:solidFill>
+                <a:latin typeface="Source Sans Pro"/>
+                <a:ea typeface="DejaVu Sans"/>
+              </a:rPr>
+              <a:t>Информация о том, что реально происходит при вашем запросе</a:t>
+            </a:r>
+            <a:endParaRPr b="0" lang="ru-RU" sz="3200" spc="-1" strike="noStrike">
+              <a:latin typeface="Arial"/>
+            </a:endParaRPr>
+          </a:p>
+          <a:p>
+            <a:pPr>
+              <a:lnSpc>
+                <a:spcPct val="100000"/>
+              </a:lnSpc>
+              <a:spcAft>
+                <a:spcPts val="1409"/>
+              </a:spcAft>
+            </a:pPr>
+            <a:endParaRPr b="0" lang="ru-RU" sz="3200" spc="-1" strike="noStrike">
+              <a:latin typeface="Arial"/>
+            </a:endParaRPr>
+          </a:p>
+          <a:p>
+            <a:pPr>
+              <a:lnSpc>
+                <a:spcPct val="100000"/>
+              </a:lnSpc>
+              <a:spcAft>
+                <a:spcPts val="1409"/>
+              </a:spcAft>
+            </a:pPr>
+            <a:endParaRPr b="0" lang="ru-RU" sz="3200" spc="-1" strike="noStrike">
+              <a:latin typeface="Arial"/>
+            </a:endParaRPr>
+          </a:p>
+        </p:txBody>
+      </p:sp>
+      <p:pic>
+        <p:nvPicPr>
+          <p:cNvPr id="145" name="" descr=""/>
+          <p:cNvPicPr/>
+          <p:nvPr/>
+        </p:nvPicPr>
+        <p:blipFill>
+          <a:blip r:embed="rId1"/>
+          <a:stretch/>
+        </p:blipFill>
+        <p:spPr>
+          <a:xfrm>
+            <a:off x="2975400" y="3205800"/>
+            <a:ext cx="6143040" cy="1028160"/>
+          </a:xfrm>
+          <a:prstGeom prst="rect">
+            <a:avLst/>
+          </a:prstGeom>
+          <a:ln>
+            <a:noFill/>
+          </a:ln>
+        </p:spPr>
+      </p:pic>
+      <p:pic>
+        <p:nvPicPr>
+          <p:cNvPr id="146" name="" descr=""/>
+          <p:cNvPicPr/>
+          <p:nvPr/>
+        </p:nvPicPr>
+        <p:blipFill>
+          <a:blip r:embed="rId2"/>
+          <a:stretch/>
+        </p:blipFill>
+        <p:spPr>
+          <a:xfrm>
+            <a:off x="6597360" y="4820760"/>
+            <a:ext cx="5009400" cy="1608840"/>
+          </a:xfrm>
+          <a:prstGeom prst="rect">
+            <a:avLst/>
+          </a:prstGeom>
+          <a:ln>
+            <a:noFill/>
+          </a:ln>
+        </p:spPr>
+      </p:pic>
+      <p:sp>
+        <p:nvSpPr>
+          <p:cNvPr id="147" name="CustomShape 3"/>
+          <p:cNvSpPr/>
+          <p:nvPr/>
+        </p:nvSpPr>
+        <p:spPr>
+          <a:xfrm>
+            <a:off x="678600" y="4726800"/>
+            <a:ext cx="5939640" cy="1114200"/>
+          </a:xfrm>
+          <a:prstGeom prst="rect">
+            <a:avLst/>
+          </a:prstGeom>
+          <a:noFill/>
+          <a:ln>
+            <a:noFill/>
+          </a:ln>
+        </p:spPr>
+        <p:style>
+          <a:lnRef idx="0"/>
+          <a:fillRef idx="0"/>
+          <a:effectRef idx="0"/>
+          <a:fontRef idx="minor"/>
+        </p:style>
+        <p:txBody>
+          <a:bodyPr lIns="90000" rIns="90000" tIns="45000" bIns="45000">
+            <a:noAutofit/>
+          </a:bodyPr>
+          <a:p>
+            <a:pPr>
+              <a:lnSpc>
+                <a:spcPct val="100000"/>
+              </a:lnSpc>
+            </a:pPr>
+            <a:r>
+              <a:rPr b="0" lang="ru-RU" sz="1800" spc="-1" strike="noStrike">
+                <a:solidFill>
+                  <a:srgbClr val="000000"/>
+                </a:solidFill>
+                <a:latin typeface="Arial"/>
+              </a:rPr>
+              <a:t>SELECT [CustomerID], [CompanyName], [City], [Region]</a:t>
+            </a:r>
+            <a:endParaRPr b="0" lang="ru-RU" sz="1800" spc="-1" strike="noStrike">
+              <a:latin typeface="Arial"/>
+            </a:endParaRPr>
+          </a:p>
+          <a:p>
+            <a:pPr>
+              <a:lnSpc>
+                <a:spcPct val="100000"/>
+              </a:lnSpc>
+            </a:pPr>
+            <a:r>
+              <a:rPr b="0" lang="ru-RU" sz="1800" spc="-1" strike="noStrike">
+                <a:solidFill>
+                  <a:srgbClr val="000000"/>
+                </a:solidFill>
+                <a:latin typeface="Arial"/>
+              </a:rPr>
+              <a:t>FROM [Northwind].[dbo].[Customers] </a:t>
+            </a:r>
+            <a:endParaRPr b="0" lang="ru-RU" sz="1800" spc="-1" strike="noStrike">
+              <a:latin typeface="Arial"/>
+            </a:endParaRPr>
+          </a:p>
+          <a:p>
+            <a:pPr>
+              <a:lnSpc>
+                <a:spcPct val="100000"/>
+              </a:lnSpc>
+            </a:pPr>
+            <a:r>
+              <a:rPr b="0" lang="ru-RU" sz="1800" spc="-1" strike="noStrike">
+                <a:solidFill>
+                  <a:srgbClr val="000000"/>
+                </a:solidFill>
+                <a:latin typeface="Arial"/>
+              </a:rPr>
+              <a:t>WHERE [Country] = 'Germany'</a:t>
+            </a:r>
+            <a:endParaRPr b="0" lang="ru-RU" sz="1800" spc="-1" strike="noStrike">
+              <a:latin typeface="Arial"/>
+            </a:endParaRPr>
+          </a:p>
+          <a:p>
+            <a:pPr>
+              <a:lnSpc>
+                <a:spcPct val="100000"/>
+              </a:lnSpc>
+            </a:pPr>
+            <a:r>
+              <a:rPr b="0" lang="ru-RU" sz="1800" spc="-1" strike="noStrike">
+                <a:solidFill>
+                  <a:srgbClr val="000000"/>
+                </a:solidFill>
+                <a:latin typeface="Arial"/>
+              </a:rPr>
+              <a:t>ORDER BY [CompanyName]</a:t>
+            </a:r>
+            <a:endParaRPr b="0" lang="ru-RU" sz="1800" spc="-1" strike="noStrike">
+              <a:latin typeface="Arial"/>
+            </a:endParaRPr>
+          </a:p>
+        </p:txBody>
+      </p:sp>
+      <p:sp>
+        <p:nvSpPr>
+          <p:cNvPr id="148" name="CustomShape 4"/>
+          <p:cNvSpPr/>
+          <p:nvPr/>
+        </p:nvSpPr>
+        <p:spPr>
+          <a:xfrm>
+            <a:off x="956160" y="6845040"/>
+            <a:ext cx="10398960" cy="346320"/>
+          </a:xfrm>
+          <a:prstGeom prst="rect">
+            <a:avLst/>
+          </a:prstGeom>
+          <a:noFill/>
+          <a:ln>
+            <a:noFill/>
+          </a:ln>
+        </p:spPr>
+        <p:style>
+          <a:lnRef idx="0"/>
+          <a:fillRef idx="0"/>
+          <a:effectRef idx="0"/>
+          <a:fontRef idx="minor"/>
+        </p:style>
+        <p:txBody>
+          <a:bodyPr lIns="90000" rIns="90000" tIns="45000" bIns="45000">
+            <a:noAutofit/>
+          </a:bodyPr>
+          <a:p>
+            <a:pPr>
+              <a:lnSpc>
+                <a:spcPct val="100000"/>
+              </a:lnSpc>
+            </a:pPr>
+            <a:r>
+              <a:rPr b="0" lang="ru-RU" sz="1800" spc="-1" strike="noStrike">
+                <a:solidFill>
+                  <a:srgbClr val="000000"/>
+                </a:solidFill>
+                <a:latin typeface="Arial"/>
+              </a:rPr>
+              <a:t>https://www.mssqltips.com/sqlservertip/1873/how-to-read-sql-server-graphical-query-execution-plans/</a:t>
+            </a:r>
+            <a:endParaRPr b="0" lang="ru-RU" sz="1800" spc="-1" strike="noStrike">
+              <a:latin typeface="Arial"/>
+            </a:endParaRPr>
+          </a:p>
+        </p:txBody>
+      </p:sp>
+    </p:spTree>
+  </p:cSld>
+  <mc:AlternateContent>
+    <mc:Choice Requires="p14">
+      <p:transition spd="slow" p14:dur="2000"/>
+    </mc:Choice>
+    <mc:Fallback>
+      <p:transition spd="slow"/>
+    </mc:Fallback>
+  </mc:AlternateContent>
+</p:sld>
+</file>
+
+<file path=ppt/slides/slide15.xml><?xml version="1.0" encoding="utf-8"?>
+<p:sld xmlns:a="http://schemas.openxmlformats.org/drawingml/2006/main" xmlns:p="http://schemas.openxmlformats.org/presentationml/2006/main" xmlns:r="http://schemas.openxmlformats.org/officeDocument/2006/relationships" xmlns:p14="http://schemas.microsoft.com/office/powerpoint/2010/main" xmlns:p15="http://schemas.microsoft.com/office/powerpoint/2012/main" xmlns:mc="http://schemas.openxmlformats.org/markup-compatibility/2006">
+  <p:cSld>
+    <p:spTree>
+      <p:nvGrpSpPr>
+        <p:cNvPr id="1" name=""/>
+        <p:cNvGrpSpPr/>
+        <p:nvPr/>
+      </p:nvGrpSpPr>
+      <p:grpSpPr>
+        <a:xfrm>
+          <a:off x="0" y="0"/>
+          <a:ext cx="0" cy="0"/>
+          <a:chOff x="0" y="0"/>
+          <a:chExt cx="0" cy="0"/>
+        </a:xfrm>
+      </p:grpSpPr>
+      <p:sp>
+        <p:nvSpPr>
+          <p:cNvPr id="149" name="CustomShape 1"/>
+          <p:cNvSpPr/>
+          <p:nvPr/>
+        </p:nvSpPr>
+        <p:spPr>
+          <a:xfrm>
+            <a:off x="599040" y="121320"/>
+            <a:ext cx="10797480" cy="1261080"/>
+          </a:xfrm>
+          <a:prstGeom prst="rect">
+            <a:avLst/>
+          </a:prstGeom>
+          <a:noFill/>
+          <a:ln>
+            <a:noFill/>
+          </a:ln>
+        </p:spPr>
+        <p:style>
+          <a:lnRef idx="0"/>
+          <a:fillRef idx="0"/>
+          <a:effectRef idx="0"/>
+          <a:fontRef idx="minor"/>
+        </p:style>
+        <p:txBody>
+          <a:bodyPr lIns="0" rIns="0" tIns="0" bIns="0" anchor="b">
+            <a:normAutofit/>
+          </a:bodyPr>
+          <a:p>
+            <a:pPr>
+              <a:lnSpc>
+                <a:spcPct val="100000"/>
+              </a:lnSpc>
+            </a:pPr>
+            <a:r>
+              <a:rPr b="0" lang="ru-RU" sz="6000" spc="-1" strike="noStrike">
+                <a:solidFill>
+                  <a:srgbClr val="ffffff"/>
+                </a:solidFill>
+                <a:latin typeface="Source Sans Pro Light"/>
+                <a:ea typeface="DejaVu Sans"/>
+              </a:rPr>
+              <a:t>Домашнее задание</a:t>
+            </a:r>
+            <a:endParaRPr b="0" lang="ru-RU" sz="6000" spc="-1" strike="noStrike">
+              <a:latin typeface="Arial"/>
+            </a:endParaRPr>
+          </a:p>
+        </p:txBody>
+      </p:sp>
+      <p:sp>
+        <p:nvSpPr>
+          <p:cNvPr id="150" name="CustomShape 2"/>
+          <p:cNvSpPr/>
+          <p:nvPr/>
+        </p:nvSpPr>
+        <p:spPr>
+          <a:xfrm>
+            <a:off x="504000" y="1888920"/>
+            <a:ext cx="11087280" cy="5022360"/>
+          </a:xfrm>
+          <a:prstGeom prst="rect">
+            <a:avLst/>
+          </a:prstGeom>
+          <a:noFill/>
+          <a:ln>
+            <a:noFill/>
+          </a:ln>
+        </p:spPr>
+        <p:style>
+          <a:lnRef idx="0"/>
+          <a:fillRef idx="0"/>
+          <a:effectRef idx="0"/>
+          <a:fontRef idx="minor"/>
+        </p:style>
+        <p:txBody>
+          <a:bodyPr lIns="0" rIns="0" tIns="0" bIns="0">
+            <a:normAutofit/>
+          </a:bodyPr>
+          <a:p>
+            <a:pPr marL="432000" indent="-322920">
+              <a:lnSpc>
+                <a:spcPct val="100000"/>
+              </a:lnSpc>
+              <a:spcAft>
+                <a:spcPts val="1409"/>
+              </a:spcAft>
+              <a:buClr>
+                <a:srgbClr val="04617b"/>
+              </a:buClr>
+              <a:buSzPct val="45000"/>
+              <a:buFont typeface="Wingdings" charset="2"/>
+              <a:buChar char=""/>
+            </a:pPr>
+            <a:r>
+              <a:rPr b="0" lang="ru-RU" sz="3200" spc="-1" strike="noStrike">
+                <a:solidFill>
+                  <a:srgbClr val="000000"/>
+                </a:solidFill>
+                <a:latin typeface="Source Sans Pro"/>
+                <a:ea typeface="DejaVu Sans"/>
+              </a:rPr>
+              <a:t>Собрать и настроить проект аналогичный EFCore.Example используя SQL Server/Postgres/etc</a:t>
+            </a:r>
+            <a:endParaRPr b="0" lang="ru-RU" sz="3200" spc="-1" strike="noStrike">
+              <a:latin typeface="Arial"/>
+            </a:endParaRPr>
+          </a:p>
+          <a:p>
+            <a:pPr marL="432000" indent="-322920">
+              <a:lnSpc>
+                <a:spcPct val="100000"/>
+              </a:lnSpc>
+              <a:spcAft>
+                <a:spcPts val="1409"/>
+              </a:spcAft>
+              <a:buClr>
+                <a:srgbClr val="04617b"/>
+              </a:buClr>
+              <a:buSzPct val="45000"/>
+              <a:buFont typeface="Wingdings" charset="2"/>
+              <a:buChar char=""/>
+            </a:pPr>
+            <a:r>
+              <a:rPr b="0" lang="ru-RU" sz="3200" spc="-1" strike="noStrike">
+                <a:solidFill>
+                  <a:srgbClr val="000000"/>
+                </a:solidFill>
+                <a:latin typeface="Source Sans Pro"/>
+                <a:ea typeface="DejaVu Sans"/>
+              </a:rPr>
+              <a:t>БД можно установить локально или в Docker (кто уже умеет)</a:t>
+            </a:r>
+            <a:endParaRPr b="0" lang="ru-RU" sz="3200" spc="-1" strike="noStrike">
+              <a:latin typeface="Arial"/>
+            </a:endParaRPr>
+          </a:p>
+          <a:p>
+            <a:pPr marL="432000" indent="-322920">
+              <a:lnSpc>
+                <a:spcPct val="100000"/>
+              </a:lnSpc>
+              <a:spcAft>
+                <a:spcPts val="1409"/>
+              </a:spcAft>
+              <a:buClr>
+                <a:srgbClr val="04617b"/>
+              </a:buClr>
+              <a:buSzPct val="45000"/>
+              <a:buFont typeface="Wingdings" charset="2"/>
+              <a:buChar char=""/>
+            </a:pPr>
+            <a:r>
+              <a:rPr b="0" lang="ru-RU" sz="3200" spc="-1" strike="noStrike">
+                <a:solidFill>
+                  <a:srgbClr val="000000"/>
+                </a:solidFill>
+                <a:latin typeface="Source Sans Pro"/>
+                <a:ea typeface="DejaVu Sans"/>
+              </a:rPr>
+              <a:t>Все операции с БД производить средствами EF Core Migrations (Code First)</a:t>
+            </a:r>
+            <a:endParaRPr b="0" lang="ru-RU" sz="3200" spc="-1" strike="noStrike">
+              <a:latin typeface="Arial"/>
+            </a:endParaRPr>
+          </a:p>
+        </p:txBody>
+      </p:sp>
+    </p:spTree>
+  </p:cSld>
+  <mc:AlternateContent>
+    <mc:Choice Requires="p14">
+      <p:transition spd="slow" p14:dur="2000"/>
+    </mc:Choice>
+    <mc:Fallback>
+      <p:transition spd="slow"/>
+    </mc:Fallback>
+  </mc:AlternateContent>
+</p:sld>
+</file>
+
+<file path=ppt/slides/slide16.xml><?xml version="1.0" encoding="utf-8"?>
+<p:sld xmlns:a="http://schemas.openxmlformats.org/drawingml/2006/main" xmlns:p="http://schemas.openxmlformats.org/presentationml/2006/main" xmlns:r="http://schemas.openxmlformats.org/officeDocument/2006/relationships" xmlns:p14="http://schemas.microsoft.com/office/powerpoint/2010/main" xmlns:p15="http://schemas.microsoft.com/office/powerpoint/2012/main" xmlns:mc="http://schemas.openxmlformats.org/markup-compatibility/2006">
+  <p:cSld>
+    <p:spTree>
+      <p:nvGrpSpPr>
+        <p:cNvPr id="1" name=""/>
+        <p:cNvGrpSpPr/>
+        <p:nvPr/>
+      </p:nvGrpSpPr>
+      <p:grpSpPr>
+        <a:xfrm>
+          <a:off x="0" y="0"/>
+          <a:ext cx="0" cy="0"/>
+          <a:chOff x="0" y="0"/>
+          <a:chExt cx="0" cy="0"/>
+        </a:xfrm>
+      </p:grpSpPr>
+      <p:sp>
+        <p:nvSpPr>
+          <p:cNvPr id="151" name="CustomShape 1"/>
+          <p:cNvSpPr/>
+          <p:nvPr/>
+        </p:nvSpPr>
+        <p:spPr>
+          <a:xfrm>
+            <a:off x="599040" y="841320"/>
+            <a:ext cx="10797480" cy="5850720"/>
+          </a:xfrm>
+          <a:prstGeom prst="rect">
+            <a:avLst/>
+          </a:prstGeom>
+          <a:noFill/>
+          <a:ln>
+            <a:noFill/>
+          </a:ln>
+        </p:spPr>
+        <p:style>
+          <a:lnRef idx="0"/>
+          <a:fillRef idx="0"/>
+          <a:effectRef idx="0"/>
+          <a:fontRef idx="minor"/>
+        </p:style>
+        <p:txBody>
+          <a:bodyPr lIns="0" rIns="0" tIns="0" bIns="0" anchor="ctr">
+            <a:noAutofit/>
+          </a:bodyPr>
           <a:p>
             <a:pPr algn="ctr">
               <a:lnSpc>
@@ -6049,33 +6655,14 @@
       </p:sp>
     </p:spTree>
   </p:cSld>
-  <p:timing>
-    <p:tnLst>
-      <p:par>
-        <p:cTn id="27" dur="indefinite" restart="never" nodeType="tmRoot">
-          <p:childTnLst>
-            <p:seq>
-              <p:cTn id="28" dur="indefinite" nodeType="mainSeq"/>
-              <p:prevCondLst>
-                <p:cond delay="0" evt="onPrev">
-                  <p:tgtEl>
-                    <p:sldTgt/>
-                  </p:tgtEl>
-                </p:cond>
-              </p:prevCondLst>
-              <p:nextCondLst>
-                <p:cond delay="0" evt="onNext">
-                  <p:tgtEl>
-                    <p:sldTgt/>
-                  </p:tgtEl>
-                </p:cond>
-              </p:nextCondLst>
-            </p:seq>
-          </p:childTnLst>
-        </p:cTn>
-      </p:par>
-    </p:tnLst>
-  </p:timing>
+  <mc:AlternateContent>
+    <mc:Choice Requires="p14">
+      <p:transition spd="slow" p14:dur="2000"/>
+    </mc:Choice>
+    <mc:Fallback>
+      <p:transition spd="slow"/>
+    </mc:Fallback>
+  </mc:AlternateContent>
 </p:sld>
 </file>
 
@@ -6105,7 +6692,7 @@
         <p:spPr>
           <a:xfrm>
             <a:off x="599040" y="121320"/>
-            <a:ext cx="10797840" cy="1261440"/>
+            <a:ext cx="10797480" cy="1261080"/>
           </a:xfrm>
           <a:prstGeom prst="rect">
             <a:avLst/>
@@ -6126,6 +6713,11 @@
             <a:normAutofit/>
           </a:bodyPr>
           <a:p>
+            <a:pPr>
+              <a:lnSpc>
+                <a:spcPct val="100000"/>
+              </a:lnSpc>
+            </a:pPr>
             <a:r>
               <a:rPr b="0" lang="ru-RU" sz="6000" spc="-1" strike="noStrike">
                 <a:solidFill>
@@ -6151,7 +6743,7 @@
         <p:spPr>
           <a:xfrm>
             <a:off x="599040" y="1920240"/>
-            <a:ext cx="10738800" cy="4662720"/>
+            <a:ext cx="10738440" cy="4662360"/>
           </a:xfrm>
           <a:prstGeom prst="rect">
             <a:avLst/>
@@ -6172,7 +6764,7 @@
             <a:normAutofit/>
           </a:bodyPr>
           <a:p>
-            <a:pPr marL="432000" indent="-323280">
+            <a:pPr marL="432000" indent="-322920">
               <a:lnSpc>
                 <a:spcPct val="100000"/>
               </a:lnSpc>
@@ -6201,7 +6793,7 @@
             </a:endParaRPr>
           </a:p>
           <a:p>
-            <a:pPr marL="432000" indent="-323280">
+            <a:pPr marL="432000" indent="-322920">
               <a:lnSpc>
                 <a:spcPct val="100000"/>
               </a:lnSpc>
@@ -6230,7 +6822,7 @@
             </a:endParaRPr>
           </a:p>
           <a:p>
-            <a:pPr marL="432000" indent="-323280">
+            <a:pPr marL="432000" indent="-322920">
               <a:lnSpc>
                 <a:spcPct val="100000"/>
               </a:lnSpc>
@@ -6262,33 +6854,14 @@
       </p:sp>
     </p:spTree>
   </p:cSld>
-  <p:timing>
-    <p:tnLst>
-      <p:par>
-        <p:cTn id="3" dur="indefinite" restart="never" nodeType="tmRoot">
-          <p:childTnLst>
-            <p:seq>
-              <p:cTn id="4" dur="indefinite" nodeType="mainSeq"/>
-              <p:prevCondLst>
-                <p:cond delay="0" evt="onPrev">
-                  <p:tgtEl>
-                    <p:sldTgt/>
-                  </p:tgtEl>
-                </p:cond>
-              </p:prevCondLst>
-              <p:nextCondLst>
-                <p:cond delay="0" evt="onNext">
-                  <p:tgtEl>
-                    <p:sldTgt/>
-                  </p:tgtEl>
-                </p:cond>
-              </p:nextCondLst>
-            </p:seq>
-          </p:childTnLst>
-        </p:cTn>
-      </p:par>
-    </p:tnLst>
-  </p:timing>
+  <mc:AlternateContent>
+    <mc:Choice Requires="p14">
+      <p:transition spd="slow" p14:dur="2000"/>
+    </mc:Choice>
+    <mc:Fallback>
+      <p:transition spd="slow"/>
+    </mc:Fallback>
+  </mc:AlternateContent>
 </p:sld>
 </file>
 
@@ -6318,7 +6891,7 @@
         <p:spPr>
           <a:xfrm>
             <a:off x="599040" y="121320"/>
-            <a:ext cx="10797840" cy="1261440"/>
+            <a:ext cx="10797480" cy="1261080"/>
           </a:xfrm>
           <a:prstGeom prst="rect">
             <a:avLst/>
@@ -6339,6 +6912,11 @@
             <a:normAutofit/>
           </a:bodyPr>
           <a:p>
+            <a:pPr>
+              <a:lnSpc>
+                <a:spcPct val="100000"/>
+              </a:lnSpc>
+            </a:pPr>
             <a:r>
               <a:rPr b="0" lang="ru-RU" sz="6000" spc="-1" strike="noStrike">
                 <a:solidFill>
@@ -6364,7 +6942,7 @@
         <p:spPr>
           <a:xfrm>
             <a:off x="599040" y="1920240"/>
-            <a:ext cx="10738800" cy="4662720"/>
+            <a:ext cx="10738440" cy="4662360"/>
           </a:xfrm>
           <a:prstGeom prst="rect">
             <a:avLst/>
@@ -6385,7 +6963,7 @@
             <a:normAutofit/>
           </a:bodyPr>
           <a:p>
-            <a:pPr marL="432000" indent="-323280">
+            <a:pPr marL="432000" indent="-322920">
               <a:lnSpc>
                 <a:spcPct val="100000"/>
               </a:lnSpc>
@@ -6414,7 +6992,7 @@
             </a:endParaRPr>
           </a:p>
           <a:p>
-            <a:pPr marL="432000" indent="-323280">
+            <a:pPr marL="432000" indent="-322920">
               <a:lnSpc>
                 <a:spcPct val="100000"/>
               </a:lnSpc>
@@ -6443,7 +7021,7 @@
             </a:endParaRPr>
           </a:p>
           <a:p>
-            <a:pPr marL="432000" indent="-323280">
+            <a:pPr marL="432000" indent="-322920">
               <a:lnSpc>
                 <a:spcPct val="100000"/>
               </a:lnSpc>
@@ -6468,23 +7046,24 @@
               <a:t>Уровень изоляции – как команды могут работать со строками, изменяемыми другими транзакциями </a:t>
             </a:r>
             <a:r>
+              <a:rPr b="0" lang="ru-RU" sz="3200" spc="-1" strike="noStrike" u="sng">
+                <a:solidFill>
+                  <a:srgbClr val="0000ff"/>
+                </a:solidFill>
+                <a:uFillTx/>
+                <a:latin typeface="Source Sans Pro"/>
+                <a:ea typeface="DejaVu Sans"/>
+                <a:hlinkClick r:id="rId1"/>
+              </a:rPr>
+              <a:t>https://msdn.microsoft.com/ru-ru/library/ms173763.aspx</a:t>
+            </a:r>
+            <a:r>
               <a:rPr b="0" lang="ru-RU" sz="3200" spc="-1" strike="noStrike">
                 <a:solidFill>
                   <a:srgbClr val="000000"/>
                 </a:solidFill>
                 <a:latin typeface="Source Sans Pro"/>
                 <a:ea typeface="DejaVu Sans"/>
-                <a:hlinkClick r:id="rId1"/>
-              </a:rPr>
-              <a:t>https://msdn.microsoft.com/ru-ru/library/ms173763.aspx</a:t>
-            </a:r>
-            <a:r>
-              <a:rPr b="0" lang="ru-RU" sz="3200" spc="-1" strike="noStrike">
-                <a:solidFill>
-                  <a:srgbClr val="000000"/>
-                </a:solidFill>
-                <a:latin typeface="Source Sans Pro"/>
-                <a:ea typeface="DejaVu Sans"/>
               </a:rPr>
               <a:t> </a:t>
             </a:r>
@@ -6496,33 +7075,14 @@
       </p:sp>
     </p:spTree>
   </p:cSld>
-  <p:timing>
-    <p:tnLst>
-      <p:par>
-        <p:cTn id="5" dur="indefinite" restart="never" nodeType="tmRoot">
-          <p:childTnLst>
-            <p:seq>
-              <p:cTn id="6" dur="indefinite" nodeType="mainSeq"/>
-              <p:prevCondLst>
-                <p:cond delay="0" evt="onPrev">
-                  <p:tgtEl>
-                    <p:sldTgt/>
-                  </p:tgtEl>
-                </p:cond>
-              </p:prevCondLst>
-              <p:nextCondLst>
-                <p:cond delay="0" evt="onNext">
-                  <p:tgtEl>
-                    <p:sldTgt/>
-                  </p:tgtEl>
-                </p:cond>
-              </p:nextCondLst>
-            </p:seq>
-          </p:childTnLst>
-        </p:cTn>
-      </p:par>
-    </p:tnLst>
-  </p:timing>
+  <mc:AlternateContent>
+    <mc:Choice Requires="p14">
+      <p:transition spd="slow" p14:dur="2000"/>
+    </mc:Choice>
+    <mc:Fallback>
+      <p:transition spd="slow"/>
+    </mc:Fallback>
+  </mc:AlternateContent>
 </p:sld>
 </file>
 
@@ -6552,7 +7112,7 @@
         <p:spPr>
           <a:xfrm>
             <a:off x="599040" y="121320"/>
-            <a:ext cx="10797840" cy="1261440"/>
+            <a:ext cx="10797480" cy="1261080"/>
           </a:xfrm>
           <a:prstGeom prst="rect">
             <a:avLst/>
@@ -6573,6 +7133,11 @@
             <a:normAutofit/>
           </a:bodyPr>
           <a:p>
+            <a:pPr>
+              <a:lnSpc>
+                <a:spcPct val="100000"/>
+              </a:lnSpc>
+            </a:pPr>
             <a:r>
               <a:rPr b="0" lang="ru-RU" sz="6000" spc="-1" strike="noStrike">
                 <a:solidFill>
@@ -6598,7 +7163,7 @@
         <p:spPr>
           <a:xfrm>
             <a:off x="599040" y="1920240"/>
-            <a:ext cx="10738800" cy="4662720"/>
+            <a:ext cx="10738440" cy="4662360"/>
           </a:xfrm>
           <a:prstGeom prst="rect">
             <a:avLst/>
@@ -6619,7 +7184,7 @@
             <a:normAutofit/>
           </a:bodyPr>
           <a:p>
-            <a:pPr marL="432000" indent="-323280">
+            <a:pPr marL="432000" indent="-322920">
               <a:lnSpc>
                 <a:spcPct val="100000"/>
               </a:lnSpc>
@@ -6648,7 +7213,7 @@
             </a:endParaRPr>
           </a:p>
           <a:p>
-            <a:pPr marL="432000" indent="-323280">
+            <a:pPr marL="432000" indent="-322920">
               <a:lnSpc>
                 <a:spcPct val="100000"/>
               </a:lnSpc>
@@ -6680,33 +7245,14 @@
       </p:sp>
     </p:spTree>
   </p:cSld>
-  <p:timing>
-    <p:tnLst>
-      <p:par>
-        <p:cTn id="7" dur="indefinite" restart="never" nodeType="tmRoot">
-          <p:childTnLst>
-            <p:seq>
-              <p:cTn id="8" dur="indefinite" nodeType="mainSeq"/>
-              <p:prevCondLst>
-                <p:cond delay="0" evt="onPrev">
-                  <p:tgtEl>
-                    <p:sldTgt/>
-                  </p:tgtEl>
-                </p:cond>
-              </p:prevCondLst>
-              <p:nextCondLst>
-                <p:cond delay="0" evt="onNext">
-                  <p:tgtEl>
-                    <p:sldTgt/>
-                  </p:tgtEl>
-                </p:cond>
-              </p:nextCondLst>
-            </p:seq>
-          </p:childTnLst>
-        </p:cTn>
-      </p:par>
-    </p:tnLst>
-  </p:timing>
+  <mc:AlternateContent>
+    <mc:Choice Requires="p14">
+      <p:transition spd="slow" p14:dur="2000"/>
+    </mc:Choice>
+    <mc:Fallback>
+      <p:transition spd="slow"/>
+    </mc:Fallback>
+  </mc:AlternateContent>
 </p:sld>
 </file>
 
@@ -6736,7 +7282,7 @@
         <p:spPr>
           <a:xfrm>
             <a:off x="599040" y="121320"/>
-            <a:ext cx="10797840" cy="1261440"/>
+            <a:ext cx="10797480" cy="1261080"/>
           </a:xfrm>
           <a:prstGeom prst="rect">
             <a:avLst/>
@@ -6757,6 +7303,11 @@
             <a:normAutofit/>
           </a:bodyPr>
           <a:p>
+            <a:pPr>
+              <a:lnSpc>
+                <a:spcPct val="100000"/>
+              </a:lnSpc>
+            </a:pPr>
             <a:r>
               <a:rPr b="0" lang="ru-RU" sz="6000" spc="-1" strike="noStrike">
                 <a:solidFill>
@@ -6782,7 +7333,7 @@
         <p:spPr>
           <a:xfrm>
             <a:off x="599040" y="1920240"/>
-            <a:ext cx="10738800" cy="4662720"/>
+            <a:ext cx="10738440" cy="4662360"/>
           </a:xfrm>
           <a:prstGeom prst="rect">
             <a:avLst/>
@@ -6803,7 +7354,7 @@
             <a:normAutofit/>
           </a:bodyPr>
           <a:p>
-            <a:pPr marL="432000" indent="-323280">
+            <a:pPr marL="432000" indent="-322920">
               <a:lnSpc>
                 <a:spcPct val="100000"/>
               </a:lnSpc>
@@ -6825,14 +7376,14 @@
                 <a:latin typeface="Source Sans Pro"/>
                 <a:ea typeface="DejaVu Sans"/>
               </a:rPr>
-              <a:t>В EF до сих пор нет Bulk Insert, а тут есть!</a:t>
-            </a:r>
-            <a:endParaRPr b="0" lang="ru-RU" sz="3200" spc="-1" strike="noStrike">
-              <a:latin typeface="Arial"/>
-            </a:endParaRPr>
-          </a:p>
-          <a:p>
-            <a:pPr marL="432000" indent="-323280">
+              <a:t>В EF до сих пор нет Bulk Insert (есть в виде расширения), а тут есть из коробки</a:t>
+            </a:r>
+            <a:endParaRPr b="0" lang="ru-RU" sz="3200" spc="-1" strike="noStrike">
+              <a:latin typeface="Arial"/>
+            </a:endParaRPr>
+          </a:p>
+          <a:p>
+            <a:pPr marL="432000" indent="-322920">
               <a:lnSpc>
                 <a:spcPct val="100000"/>
               </a:lnSpc>
@@ -6854,7 +7405,7 @@
                 <a:latin typeface="Source Sans Pro"/>
                 <a:ea typeface="DejaVu Sans"/>
               </a:rPr>
-              <a:t>Вся логика — в хранимых процедурах, запросы из кода простые</a:t>
+              <a:t>Для выполнения простого кода напрямую в SQL, но лучше - Dapper</a:t>
             </a:r>
             <a:endParaRPr b="0" lang="ru-RU" sz="3200" spc="-1" strike="noStrike">
               <a:latin typeface="Arial"/>
@@ -6874,8 +7425,8 @@
         </p:blipFill>
         <p:spPr>
           <a:xfrm>
-            <a:off x="2106000" y="3753000"/>
-            <a:ext cx="7569360" cy="2962440"/>
+            <a:off x="2106000" y="4093920"/>
+            <a:ext cx="7569000" cy="2962080"/>
           </a:xfrm>
           <a:prstGeom prst="rect">
             <a:avLst/>
@@ -6887,33 +7438,14 @@
       </p:pic>
     </p:spTree>
   </p:cSld>
-  <p:timing>
-    <p:tnLst>
-      <p:par>
-        <p:cTn id="9" dur="indefinite" restart="never" nodeType="tmRoot">
-          <p:childTnLst>
-            <p:seq>
-              <p:cTn id="10" dur="indefinite" nodeType="mainSeq"/>
-              <p:prevCondLst>
-                <p:cond delay="0" evt="onPrev">
-                  <p:tgtEl>
-                    <p:sldTgt/>
-                  </p:tgtEl>
-                </p:cond>
-              </p:prevCondLst>
-              <p:nextCondLst>
-                <p:cond delay="0" evt="onNext">
-                  <p:tgtEl>
-                    <p:sldTgt/>
-                  </p:tgtEl>
-                </p:cond>
-              </p:nextCondLst>
-            </p:seq>
-          </p:childTnLst>
-        </p:cTn>
-      </p:par>
-    </p:tnLst>
-  </p:timing>
+  <mc:AlternateContent>
+    <mc:Choice Requires="p14">
+      <p:transition spd="slow" p14:dur="2000"/>
+    </mc:Choice>
+    <mc:Fallback>
+      <p:transition spd="slow"/>
+    </mc:Fallback>
+  </mc:AlternateContent>
 </p:sld>
 </file>
 
@@ -6943,7 +7475,7 @@
         <p:spPr>
           <a:xfrm>
             <a:off x="599040" y="121320"/>
-            <a:ext cx="10797840" cy="1261440"/>
+            <a:ext cx="10797480" cy="1261080"/>
           </a:xfrm>
           <a:prstGeom prst="rect">
             <a:avLst/>
@@ -6964,6 +7496,11 @@
             <a:normAutofit/>
           </a:bodyPr>
           <a:p>
+            <a:pPr>
+              <a:lnSpc>
+                <a:spcPct val="100000"/>
+              </a:lnSpc>
+            </a:pPr>
             <a:r>
               <a:rPr b="0" lang="ru-RU" sz="6000" spc="-1" strike="noStrike">
                 <a:solidFill>
@@ -6989,7 +7526,7 @@
         <p:spPr>
           <a:xfrm>
             <a:off x="599040" y="1920240"/>
-            <a:ext cx="10738800" cy="4662720"/>
+            <a:ext cx="10738440" cy="4662360"/>
           </a:xfrm>
           <a:prstGeom prst="rect">
             <a:avLst/>
@@ -7010,7 +7547,7 @@
             <a:normAutofit/>
           </a:bodyPr>
           <a:p>
-            <a:pPr marL="432000" indent="-323280">
+            <a:pPr marL="432000" indent="-322920">
               <a:lnSpc>
                 <a:spcPct val="100000"/>
               </a:lnSpc>
@@ -7039,7 +7576,7 @@
             </a:endParaRPr>
           </a:p>
           <a:p>
-            <a:pPr marL="432000" indent="-323280">
+            <a:pPr marL="432000" indent="-322920">
               <a:lnSpc>
                 <a:spcPct val="100000"/>
               </a:lnSpc>
@@ -7082,7 +7619,7 @@
         <p:spPr>
           <a:xfrm>
             <a:off x="1827000" y="4175640"/>
-            <a:ext cx="7848360" cy="2371320"/>
+            <a:ext cx="7848000" cy="2370960"/>
           </a:xfrm>
           <a:prstGeom prst="rect">
             <a:avLst/>
@@ -7094,33 +7631,14 @@
       </p:pic>
     </p:spTree>
   </p:cSld>
-  <p:timing>
-    <p:tnLst>
-      <p:par>
-        <p:cTn id="11" dur="indefinite" restart="never" nodeType="tmRoot">
-          <p:childTnLst>
-            <p:seq>
-              <p:cTn id="12" dur="indefinite" nodeType="mainSeq"/>
-              <p:prevCondLst>
-                <p:cond delay="0" evt="onPrev">
-                  <p:tgtEl>
-                    <p:sldTgt/>
-                  </p:tgtEl>
-                </p:cond>
-              </p:prevCondLst>
-              <p:nextCondLst>
-                <p:cond delay="0" evt="onNext">
-                  <p:tgtEl>
-                    <p:sldTgt/>
-                  </p:tgtEl>
-                </p:cond>
-              </p:nextCondLst>
-            </p:seq>
-          </p:childTnLst>
-        </p:cTn>
-      </p:par>
-    </p:tnLst>
-  </p:timing>
+  <mc:AlternateContent>
+    <mc:Choice Requires="p14">
+      <p:transition spd="slow" p14:dur="2000"/>
+    </mc:Choice>
+    <mc:Fallback>
+      <p:transition spd="slow"/>
+    </mc:Fallback>
+  </mc:AlternateContent>
 </p:sld>
 </file>
 
@@ -7150,7 +7668,7 @@
         <p:spPr>
           <a:xfrm>
             <a:off x="599040" y="121320"/>
-            <a:ext cx="10797840" cy="1261440"/>
+            <a:ext cx="10797480" cy="1261080"/>
           </a:xfrm>
           <a:prstGeom prst="rect">
             <a:avLst/>
@@ -7171,6 +7689,11 @@
             <a:normAutofit/>
           </a:bodyPr>
           <a:p>
+            <a:pPr>
+              <a:lnSpc>
+                <a:spcPct val="100000"/>
+              </a:lnSpc>
+            </a:pPr>
             <a:r>
               <a:rPr b="0" lang="ru-RU" sz="6000" spc="-1" strike="noStrike">
                 <a:solidFill>
@@ -7196,7 +7719,7 @@
         <p:spPr>
           <a:xfrm>
             <a:off x="599040" y="1920240"/>
-            <a:ext cx="10738800" cy="4662720"/>
+            <a:ext cx="10738440" cy="4662360"/>
           </a:xfrm>
           <a:prstGeom prst="rect">
             <a:avLst/>
@@ -7217,7 +7740,7 @@
             <a:normAutofit/>
           </a:bodyPr>
           <a:p>
-            <a:pPr marL="432000" indent="-323280">
+            <a:pPr marL="432000" indent="-322920">
               <a:lnSpc>
                 <a:spcPct val="100000"/>
               </a:lnSpc>
@@ -7246,7 +7769,7 @@
             </a:endParaRPr>
           </a:p>
           <a:p>
-            <a:pPr marL="432000" indent="-323280">
+            <a:pPr marL="432000" indent="-322920">
               <a:lnSpc>
                 <a:spcPct val="100000"/>
               </a:lnSpc>
@@ -7268,14 +7791,14 @@
                 <a:latin typeface="Source Sans Pro"/>
                 <a:ea typeface="DejaVu Sans"/>
               </a:rPr>
-              <a:t>Linq To SQL Classes</a:t>
-            </a:r>
-            <a:endParaRPr b="0" lang="ru-RU" sz="3200" spc="-1" strike="noStrike">
-              <a:latin typeface="Arial"/>
-            </a:endParaRPr>
-          </a:p>
-          <a:p>
-            <a:pPr marL="432000" indent="-323280">
+              <a:t>Linq To SQL Classes (.dbml)</a:t>
+            </a:r>
+            <a:endParaRPr b="0" lang="ru-RU" sz="3200" spc="-1" strike="noStrike">
+              <a:latin typeface="Arial"/>
+            </a:endParaRPr>
+          </a:p>
+          <a:p>
+            <a:pPr marL="432000" indent="-322920">
               <a:lnSpc>
                 <a:spcPct val="100000"/>
               </a:lnSpc>
@@ -7303,37 +7826,47 @@
               <a:latin typeface="Arial"/>
             </a:endParaRPr>
           </a:p>
+          <a:p>
+            <a:pPr marL="432000" indent="-322920">
+              <a:lnSpc>
+                <a:spcPct val="100000"/>
+              </a:lnSpc>
+              <a:spcAft>
+                <a:spcPts val="1409"/>
+              </a:spcAft>
+              <a:buClr>
+                <a:srgbClr val="04617b"/>
+              </a:buClr>
+              <a:buSzPct val="45000"/>
+              <a:buFont typeface="Wingdings" charset="2"/>
+              <a:buChar char=""/>
+            </a:pPr>
+            <a:r>
+              <a:rPr b="1" lang="ru-RU" sz="3200" spc="-1" strike="noStrike">
+                <a:solidFill>
+                  <a:srgbClr val="000000"/>
+                </a:solidFill>
+                <a:latin typeface="Source Sans Pro"/>
+                <a:ea typeface="DejaVu Sans"/>
+              </a:rPr>
+              <a:t>Deprecated</a:t>
+            </a:r>
+            <a:endParaRPr b="0" lang="ru-RU" sz="3200" spc="-1" strike="noStrike">
+              <a:latin typeface="Arial"/>
+            </a:endParaRPr>
+          </a:p>
         </p:txBody>
       </p:sp>
     </p:spTree>
   </p:cSld>
-  <p:timing>
-    <p:tnLst>
-      <p:par>
-        <p:cTn id="13" dur="indefinite" restart="never" nodeType="tmRoot">
-          <p:childTnLst>
-            <p:seq>
-              <p:cTn id="14" dur="indefinite" nodeType="mainSeq"/>
-              <p:prevCondLst>
-                <p:cond delay="0" evt="onPrev">
-                  <p:tgtEl>
-                    <p:sldTgt/>
-                  </p:tgtEl>
-                </p:cond>
-              </p:prevCondLst>
-              <p:nextCondLst>
-                <p:cond delay="0" evt="onNext">
-                  <p:tgtEl>
-                    <p:sldTgt/>
-                  </p:tgtEl>
-                </p:cond>
-              </p:nextCondLst>
-            </p:seq>
-          </p:childTnLst>
-        </p:cTn>
-      </p:par>
-    </p:tnLst>
-  </p:timing>
+  <mc:AlternateContent>
+    <mc:Choice Requires="p14">
+      <p:transition spd="slow" p14:dur="2000"/>
+    </mc:Choice>
+    <mc:Fallback>
+      <p:transition spd="slow"/>
+    </mc:Fallback>
+  </mc:AlternateContent>
 </p:sld>
 </file>
 
@@ -7363,7 +7896,7 @@
         <p:spPr>
           <a:xfrm>
             <a:off x="599040" y="121320"/>
-            <a:ext cx="10797840" cy="1261440"/>
+            <a:ext cx="10797480" cy="1261080"/>
           </a:xfrm>
           <a:prstGeom prst="rect">
             <a:avLst/>
@@ -7384,6 +7917,11 @@
             <a:normAutofit/>
           </a:bodyPr>
           <a:p>
+            <a:pPr>
+              <a:lnSpc>
+                <a:spcPct val="100000"/>
+              </a:lnSpc>
+            </a:pPr>
             <a:r>
               <a:rPr b="0" lang="ru-RU" sz="6000" spc="-1" strike="noStrike">
                 <a:solidFill>
@@ -7409,7 +7947,7 @@
         <p:spPr>
           <a:xfrm>
             <a:off x="599040" y="1920240"/>
-            <a:ext cx="10738800" cy="4662720"/>
+            <a:ext cx="10738440" cy="4662360"/>
           </a:xfrm>
           <a:prstGeom prst="rect">
             <a:avLst/>
@@ -7430,7 +7968,7 @@
             <a:normAutofit/>
           </a:bodyPr>
           <a:p>
-            <a:pPr marL="432000" indent="-323280">
+            <a:pPr marL="432000" indent="-322920">
               <a:lnSpc>
                 <a:spcPct val="100000"/>
               </a:lnSpc>
@@ -7459,7 +7997,7 @@
             </a:endParaRPr>
           </a:p>
           <a:p>
-            <a:pPr marL="432000" indent="-323280">
+            <a:pPr marL="432000" indent="-322920">
               <a:lnSpc>
                 <a:spcPct val="100000"/>
               </a:lnSpc>
@@ -7488,7 +8026,7 @@
             </a:endParaRPr>
           </a:p>
           <a:p>
-            <a:pPr marL="432000" indent="-323280">
+            <a:pPr marL="432000" indent="-322920">
               <a:lnSpc>
                 <a:spcPct val="100000"/>
               </a:lnSpc>
@@ -7517,7 +8055,7 @@
             </a:endParaRPr>
           </a:p>
           <a:p>
-            <a:pPr marL="432000" indent="-323280">
+            <a:pPr marL="432000" indent="-322920">
               <a:lnSpc>
                 <a:spcPct val="100000"/>
               </a:lnSpc>
@@ -7549,33 +8087,14 @@
       </p:sp>
     </p:spTree>
   </p:cSld>
-  <p:timing>
-    <p:tnLst>
-      <p:par>
-        <p:cTn id="15" dur="indefinite" restart="never" nodeType="tmRoot">
-          <p:childTnLst>
-            <p:seq>
-              <p:cTn id="16" dur="indefinite" nodeType="mainSeq"/>
-              <p:prevCondLst>
-                <p:cond delay="0" evt="onPrev">
-                  <p:tgtEl>
-                    <p:sldTgt/>
-                  </p:tgtEl>
-                </p:cond>
-              </p:prevCondLst>
-              <p:nextCondLst>
-                <p:cond delay="0" evt="onNext">
-                  <p:tgtEl>
-                    <p:sldTgt/>
-                  </p:tgtEl>
-                </p:cond>
-              </p:nextCondLst>
-            </p:seq>
-          </p:childTnLst>
-        </p:cTn>
-      </p:par>
-    </p:tnLst>
-  </p:timing>
+  <mc:AlternateContent>
+    <mc:Choice Requires="p14">
+      <p:transition spd="slow" p14:dur="2000"/>
+    </mc:Choice>
+    <mc:Fallback>
+      <p:transition spd="slow"/>
+    </mc:Fallback>
+  </mc:AlternateContent>
 </p:sld>
 </file>
 
@@ -7605,7 +8124,7 @@
         <p:spPr>
           <a:xfrm>
             <a:off x="599040" y="121320"/>
-            <a:ext cx="10797840" cy="1261440"/>
+            <a:ext cx="10797480" cy="1261080"/>
           </a:xfrm>
           <a:prstGeom prst="rect">
             <a:avLst/>
@@ -7626,6 +8145,11 @@
             <a:normAutofit/>
           </a:bodyPr>
           <a:p>
+            <a:pPr>
+              <a:lnSpc>
+                <a:spcPct val="100000"/>
+              </a:lnSpc>
+            </a:pPr>
             <a:r>
               <a:rPr b="0" lang="ru-RU" sz="6000" spc="-1" strike="noStrike">
                 <a:solidFill>
@@ -7651,7 +8175,7 @@
         <p:spPr>
           <a:xfrm>
             <a:off x="599040" y="1920240"/>
-            <a:ext cx="10738800" cy="4662720"/>
+            <a:ext cx="10738440" cy="4662360"/>
           </a:xfrm>
           <a:prstGeom prst="rect">
             <a:avLst/>
@@ -7669,10 +8193,10 @@
         </p:style>
         <p:txBody>
           <a:bodyPr lIns="0" rIns="0" tIns="0" bIns="0">
-            <a:normAutofit/>
-          </a:bodyPr>
-          <a:p>
-            <a:pPr marL="432000" indent="-323280">
+            <a:normAutofit fontScale="88000"/>
+          </a:bodyPr>
+          <a:p>
+            <a:pPr marL="432000" indent="-322920">
               <a:lnSpc>
                 <a:spcPct val="100000"/>
               </a:lnSpc>
@@ -7694,14 +8218,14 @@
                 <a:latin typeface="Source Sans Pro"/>
                 <a:ea typeface="DejaVu Sans"/>
               </a:rPr>
-              <a:t>https://github.com/aspnet/EntityFramework6</a:t>
-            </a:r>
-            <a:endParaRPr b="0" lang="ru-RU" sz="3200" spc="-1" strike="noStrike">
-              <a:latin typeface="Arial"/>
-            </a:endParaRPr>
-          </a:p>
-          <a:p>
-            <a:pPr marL="432000" indent="-323280">
+              <a:t>https://github.com/dotnet/efcore</a:t>
+            </a:r>
+            <a:endParaRPr b="0" lang="ru-RU" sz="3200" spc="-1" strike="noStrike">
+              <a:latin typeface="Arial"/>
+            </a:endParaRPr>
+          </a:p>
+          <a:p>
+            <a:pPr marL="432000" indent="-322920">
               <a:lnSpc>
                 <a:spcPct val="100000"/>
               </a:lnSpc>
@@ -7730,7 +8254,7 @@
             </a:endParaRPr>
           </a:p>
           <a:p>
-            <a:pPr marL="432000" indent="-323280">
+            <a:pPr marL="432000" indent="-322920">
               <a:lnSpc>
                 <a:spcPct val="100000"/>
               </a:lnSpc>
@@ -7759,7 +8283,7 @@
             </a:endParaRPr>
           </a:p>
           <a:p>
-            <a:pPr marL="432000" indent="-323280">
+            <a:pPr marL="432000" indent="-322920">
               <a:lnSpc>
                 <a:spcPct val="100000"/>
               </a:lnSpc>
@@ -7788,7 +8312,7 @@
             </a:endParaRPr>
           </a:p>
           <a:p>
-            <a:pPr marL="432000" indent="-323280">
+            <a:pPr marL="432000" indent="-322920">
               <a:lnSpc>
                 <a:spcPct val="100000"/>
               </a:lnSpc>
@@ -7817,7 +8341,7 @@
             </a:endParaRPr>
           </a:p>
           <a:p>
-            <a:pPr marL="432000" indent="-323280">
+            <a:pPr marL="432000" indent="-322920">
               <a:lnSpc>
                 <a:spcPct val="100000"/>
               </a:lnSpc>
@@ -7839,7 +8363,7 @@
                 <a:latin typeface="Source Sans Pro"/>
                 <a:ea typeface="DejaVu Sans"/>
               </a:rPr>
-              <a:t>Управление свойствами и маппингом сущностей аннотациями в коде</a:t>
+              <a:t>Управление свойствами и маппингом сущностей аннотациями в коде или вызовом специальных методов (Fluent API)</a:t>
             </a:r>
             <a:endParaRPr b="0" lang="ru-RU" sz="3200" spc="-1" strike="noStrike">
               <a:latin typeface="Arial"/>
@@ -7849,33 +8373,14 @@
       </p:sp>
     </p:spTree>
   </p:cSld>
-  <p:timing>
-    <p:tnLst>
-      <p:par>
-        <p:cTn id="17" dur="indefinite" restart="never" nodeType="tmRoot">
-          <p:childTnLst>
-            <p:seq>
-              <p:cTn id="18" dur="indefinite" nodeType="mainSeq"/>
-              <p:prevCondLst>
-                <p:cond delay="0" evt="onPrev">
-                  <p:tgtEl>
-                    <p:sldTgt/>
-                  </p:tgtEl>
-                </p:cond>
-              </p:prevCondLst>
-              <p:nextCondLst>
-                <p:cond delay="0" evt="onNext">
-                  <p:tgtEl>
-                    <p:sldTgt/>
-                  </p:tgtEl>
-                </p:cond>
-              </p:nextCondLst>
-            </p:seq>
-          </p:childTnLst>
-        </p:cTn>
-      </p:par>
-    </p:tnLst>
-  </p:timing>
+  <mc:AlternateContent>
+    <mc:Choice Requires="p14">
+      <p:transition spd="slow" p14:dur="2000"/>
+    </mc:Choice>
+    <mc:Fallback>
+      <p:transition spd="slow"/>
+    </mc:Fallback>
+  </mc:AlternateContent>
 </p:sld>
 </file>
 
@@ -7993,18 +8498,21 @@
             </a:schemeClr>
           </a:solidFill>
           <a:prstDash val="solid"/>
+          <a:miter/>
         </a:ln>
         <a:ln w="25400" cap="flat" cmpd="sng" algn="ctr">
           <a:solidFill>
             <a:schemeClr val="phClr"/>
           </a:solidFill>
           <a:prstDash val="solid"/>
+          <a:miter/>
         </a:ln>
         <a:ln w="38100" cap="flat" cmpd="sng" algn="ctr">
           <a:solidFill>
             <a:schemeClr val="phClr"/>
           </a:solidFill>
           <a:prstDash val="solid"/>
+          <a:miter/>
         </a:ln>
       </a:lnStyleLst>
       <a:effectStyleLst>
@@ -8216,18 +8724,21 @@
             </a:schemeClr>
           </a:solidFill>
           <a:prstDash val="solid"/>
+          <a:miter/>
         </a:ln>
         <a:ln w="25400" cap="flat" cmpd="sng" algn="ctr">
           <a:solidFill>
             <a:schemeClr val="phClr"/>
           </a:solidFill>
           <a:prstDash val="solid"/>
+          <a:miter/>
         </a:ln>
         <a:ln w="38100" cap="flat" cmpd="sng" algn="ctr">
           <a:solidFill>
             <a:schemeClr val="phClr"/>
           </a:solidFill>
           <a:prstDash val="solid"/>
+          <a:miter/>
         </a:ln>
       </a:lnStyleLst>
       <a:effectStyleLst>
@@ -8439,18 +8950,21 @@
             </a:schemeClr>
           </a:solidFill>
           <a:prstDash val="solid"/>
+          <a:miter/>
         </a:ln>
         <a:ln w="25400" cap="flat" cmpd="sng" algn="ctr">
           <a:solidFill>
             <a:schemeClr val="phClr"/>
           </a:solidFill>
           <a:prstDash val="solid"/>
+          <a:miter/>
         </a:ln>
         <a:ln w="38100" cap="flat" cmpd="sng" algn="ctr">
           <a:solidFill>
             <a:schemeClr val="phClr"/>
           </a:solidFill>
           <a:prstDash val="solid"/>
+          <a:miter/>
         </a:ln>
       </a:lnStyleLst>
       <a:effectStyleLst>
